--- a/documents/presentazione.pptx
+++ b/documents/presentazione.pptx
@@ -5,7 +5,7 @@
     <p:sldMasterId id="2147483686" r:id="rId1"/>
   </p:sldMasterIdLst>
   <p:notesMasterIdLst>
-    <p:notesMasterId r:id="rId47"/>
+    <p:notesMasterId r:id="rId49"/>
   </p:notesMasterIdLst>
   <p:sldIdLst>
     <p:sldId id="256" r:id="rId2"/>
@@ -45,14 +45,16 @@
     <p:sldId id="290" r:id="rId36"/>
     <p:sldId id="294" r:id="rId37"/>
     <p:sldId id="295" r:id="rId38"/>
-    <p:sldId id="296" r:id="rId39"/>
-    <p:sldId id="297" r:id="rId40"/>
-    <p:sldId id="303" r:id="rId41"/>
-    <p:sldId id="298" r:id="rId42"/>
-    <p:sldId id="299" r:id="rId43"/>
-    <p:sldId id="300" r:id="rId44"/>
-    <p:sldId id="301" r:id="rId45"/>
-    <p:sldId id="302" r:id="rId46"/>
+    <p:sldId id="304" r:id="rId39"/>
+    <p:sldId id="305" r:id="rId40"/>
+    <p:sldId id="296" r:id="rId41"/>
+    <p:sldId id="297" r:id="rId42"/>
+    <p:sldId id="303" r:id="rId43"/>
+    <p:sldId id="298" r:id="rId44"/>
+    <p:sldId id="299" r:id="rId45"/>
+    <p:sldId id="300" r:id="rId46"/>
+    <p:sldId id="301" r:id="rId47"/>
+    <p:sldId id="302" r:id="rId48"/>
   </p:sldIdLst>
   <p:sldSz cx="12192000" cy="6858000"/>
   <p:notesSz cx="6858000" cy="9144000"/>
@@ -3872,7 +3874,7 @@
                   <a:srgbClr val="FFFFFF"/>
                 </a:solidFill>
               </a:rPr>
-              <a:t>Chiara Auriemma 10722613 956170</a:t>
+              <a:t>Chiara Auriemma   10722613    956170</a:t>
             </a:r>
           </a:p>
           <a:p>
@@ -3882,7 +3884,7 @@
                   <a:srgbClr val="FFFFFF"/>
                 </a:solidFill>
               </a:rPr>
-              <a:t>Giacomo Ballabio 10769576 959913</a:t>
+              <a:t>Giacomo Ballabio   10769576    959913</a:t>
             </a:r>
           </a:p>
         </p:txBody>
@@ -3920,27 +3922,7 @@
                 <a:spcPts val="600"/>
               </a:spcAft>
             </a:pPr>
-            <a:fld id="{C44DFF69-10F2-434E-93A5-92B891A14D33}" type="datetime1">
-              <a:rPr lang="en-US" smtClean="0">
-                <a:solidFill>
-                  <a:srgbClr val="FFFFFF"/>
-                </a:solidFill>
-                <a:effectLst>
-                  <a:outerShdw blurRad="38100" dist="38100" dir="2700000" algn="tl">
-                    <a:srgbClr val="000000">
-                      <a:alpha val="43137"/>
-                    </a:srgbClr>
-                  </a:outerShdw>
-                </a:effectLst>
-              </a:rPr>
-              <a:pPr>
-                <a:spcAft>
-                  <a:spcPts val="600"/>
-                </a:spcAft>
-              </a:pPr>
-              <a:t>7/31/2023</a:t>
-            </a:fld>
-            <a:endParaRPr lang="en-US">
+            <a:endParaRPr lang="en-US" dirty="0">
               <a:solidFill>
                 <a:srgbClr val="FFFFFF"/>
               </a:solidFill>
@@ -3988,21 +3970,6 @@
                 <a:spcPts val="600"/>
               </a:spcAft>
             </a:pPr>
-            <a:r>
-              <a:rPr lang="en-US">
-                <a:solidFill>
-                  <a:srgbClr val="FFFFFF"/>
-                </a:solidFill>
-                <a:effectLst>
-                  <a:outerShdw blurRad="38100" dist="38100" dir="2700000" algn="tl">
-                    <a:srgbClr val="000000">
-                      <a:alpha val="43137"/>
-                    </a:srgbClr>
-                  </a:outerShdw>
-                </a:effectLst>
-              </a:rPr>
-              <a:t>Sample Footer Text</a:t>
-            </a:r>
             <a:endParaRPr lang="en-US" dirty="0">
               <a:solidFill>
                 <a:srgbClr val="FFFFFF"/>
@@ -5494,15 +5461,6 @@
                 <a:spcPts val="600"/>
               </a:spcAft>
             </a:pPr>
-            <a:fld id="{F7CCFFEB-476C-4C7B-A18E-7186B0DB1D22}" type="datetime1">
-              <a:rPr lang="en-US" smtClean="0"/>
-              <a:pPr>
-                <a:spcAft>
-                  <a:spcPts val="600"/>
-                </a:spcAft>
-              </a:pPr>
-              <a:t>7/31/2023</a:t>
-            </a:fld>
             <a:endParaRPr lang="en-US" dirty="0"/>
           </a:p>
         </p:txBody>
@@ -5538,10 +5496,7 @@
                 <a:spcPts val="600"/>
               </a:spcAft>
             </a:pPr>
-            <a:r>
-              <a:rPr lang="en-US"/>
-              <a:t>Sample Footer Text</a:t>
-            </a:r>
+            <a:endParaRPr lang="en-US" dirty="0"/>
           </a:p>
         </p:txBody>
       </p:sp>
@@ -7221,27 +7176,7 @@
                 <a:spcPts val="600"/>
               </a:spcAft>
             </a:pPr>
-            <a:fld id="{C44DFF69-10F2-434E-93A5-92B891A14D33}" type="datetime1">
-              <a:rPr lang="en-US" smtClean="0">
-                <a:solidFill>
-                  <a:srgbClr val="FFFFFF"/>
-                </a:solidFill>
-                <a:effectLst>
-                  <a:outerShdw blurRad="38100" dist="38100" dir="2700000" algn="tl">
-                    <a:srgbClr val="000000">
-                      <a:alpha val="43137"/>
-                    </a:srgbClr>
-                  </a:outerShdw>
-                </a:effectLst>
-              </a:rPr>
-              <a:pPr>
-                <a:spcAft>
-                  <a:spcPts val="600"/>
-                </a:spcAft>
-              </a:pPr>
-              <a:t>7/31/2023</a:t>
-            </a:fld>
-            <a:endParaRPr lang="en-US">
+            <a:endParaRPr lang="en-US" dirty="0">
               <a:solidFill>
                 <a:srgbClr val="FFFFFF"/>
               </a:solidFill>
@@ -7289,21 +7224,6 @@
                 <a:spcPts val="600"/>
               </a:spcAft>
             </a:pPr>
-            <a:r>
-              <a:rPr lang="en-US">
-                <a:solidFill>
-                  <a:srgbClr val="FFFFFF"/>
-                </a:solidFill>
-                <a:effectLst>
-                  <a:outerShdw blurRad="38100" dist="38100" dir="2700000" algn="tl">
-                    <a:srgbClr val="000000">
-                      <a:alpha val="43137"/>
-                    </a:srgbClr>
-                  </a:outerShdw>
-                </a:effectLst>
-              </a:rPr>
-              <a:t>Sample Footer Text</a:t>
-            </a:r>
             <a:endParaRPr lang="en-US" dirty="0">
               <a:solidFill>
                 <a:srgbClr val="FFFFFF"/>
@@ -7549,15 +7469,6 @@
                 <a:spcPts val="600"/>
               </a:spcAft>
             </a:pPr>
-            <a:fld id="{F7CCFFEB-476C-4C7B-A18E-7186B0DB1D22}" type="datetime1">
-              <a:rPr lang="en-US" smtClean="0"/>
-              <a:pPr>
-                <a:spcAft>
-                  <a:spcPts val="600"/>
-                </a:spcAft>
-              </a:pPr>
-              <a:t>7/31/2023</a:t>
-            </a:fld>
             <a:endParaRPr lang="en-US" dirty="0"/>
           </a:p>
         </p:txBody>
@@ -7593,10 +7504,7 @@
                 <a:spcPts val="600"/>
               </a:spcAft>
             </a:pPr>
-            <a:r>
-              <a:rPr lang="en-US"/>
-              <a:t>Sample Footer Text</a:t>
-            </a:r>
+            <a:endParaRPr lang="en-US" dirty="0"/>
           </a:p>
         </p:txBody>
       </p:sp>
@@ -7805,15 +7713,6 @@
                 <a:spcPts val="600"/>
               </a:spcAft>
             </a:pPr>
-            <a:fld id="{F7CCFFEB-476C-4C7B-A18E-7186B0DB1D22}" type="datetime1">
-              <a:rPr lang="en-US" smtClean="0"/>
-              <a:pPr>
-                <a:spcAft>
-                  <a:spcPts val="600"/>
-                </a:spcAft>
-              </a:pPr>
-              <a:t>7/31/2023</a:t>
-            </a:fld>
             <a:endParaRPr lang="en-US" dirty="0"/>
           </a:p>
         </p:txBody>
@@ -7849,10 +7748,7 @@
                 <a:spcPts val="600"/>
               </a:spcAft>
             </a:pPr>
-            <a:r>
-              <a:rPr lang="en-US"/>
-              <a:t>Sample Footer Text</a:t>
-            </a:r>
+            <a:endParaRPr lang="en-US" dirty="0"/>
           </a:p>
         </p:txBody>
       </p:sp>
@@ -8029,8 +7925,8 @@
         </p:blipFill>
         <p:spPr>
           <a:xfrm>
-            <a:off x="1027536" y="419100"/>
-            <a:ext cx="5262654" cy="5573031"/>
+            <a:off x="1416880" y="160337"/>
+            <a:ext cx="5243691" cy="6093649"/>
           </a:xfrm>
           <a:noFill/>
         </p:spPr>
@@ -8066,15 +7962,6 @@
                 <a:spcPts val="600"/>
               </a:spcAft>
             </a:pPr>
-            <a:fld id="{F7CCFFEB-476C-4C7B-A18E-7186B0DB1D22}" type="datetime1">
-              <a:rPr lang="en-US" smtClean="0"/>
-              <a:pPr>
-                <a:spcAft>
-                  <a:spcPts val="600"/>
-                </a:spcAft>
-              </a:pPr>
-              <a:t>7/31/2023</a:t>
-            </a:fld>
             <a:endParaRPr lang="en-US" dirty="0"/>
           </a:p>
         </p:txBody>
@@ -8110,10 +7997,7 @@
                 <a:spcPts val="600"/>
               </a:spcAft>
             </a:pPr>
-            <a:r>
-              <a:rPr lang="en-US"/>
-              <a:t>Sample Footer Text</a:t>
-            </a:r>
+            <a:endParaRPr lang="en-US" dirty="0"/>
           </a:p>
         </p:txBody>
       </p:sp>
@@ -8334,15 +8218,6 @@
                 <a:spcPts val="600"/>
               </a:spcAft>
             </a:pPr>
-            <a:fld id="{F7CCFFEB-476C-4C7B-A18E-7186B0DB1D22}" type="datetime1">
-              <a:rPr lang="en-US" smtClean="0"/>
-              <a:pPr>
-                <a:spcAft>
-                  <a:spcPts val="600"/>
-                </a:spcAft>
-              </a:pPr>
-              <a:t>7/31/2023</a:t>
-            </a:fld>
             <a:endParaRPr lang="en-US" dirty="0"/>
           </a:p>
         </p:txBody>
@@ -8378,10 +8253,7 @@
                 <a:spcPts val="600"/>
               </a:spcAft>
             </a:pPr>
-            <a:r>
-              <a:rPr lang="en-US"/>
-              <a:t>Sample Footer Text</a:t>
-            </a:r>
+            <a:endParaRPr lang="en-US" dirty="0"/>
           </a:p>
         </p:txBody>
       </p:sp>
@@ -8565,8 +8437,8 @@
         </p:blipFill>
         <p:spPr>
           <a:xfrm>
-            <a:off x="799307" y="1528376"/>
-            <a:ext cx="5719112" cy="3995476"/>
+            <a:off x="295475" y="1081904"/>
+            <a:ext cx="6726775" cy="4338005"/>
           </a:xfrm>
           <a:noFill/>
         </p:spPr>
@@ -8602,15 +8474,6 @@
                 <a:spcPts val="600"/>
               </a:spcAft>
             </a:pPr>
-            <a:fld id="{F7CCFFEB-476C-4C7B-A18E-7186B0DB1D22}" type="datetime1">
-              <a:rPr lang="en-US" smtClean="0"/>
-              <a:pPr>
-                <a:spcAft>
-                  <a:spcPts val="600"/>
-                </a:spcAft>
-              </a:pPr>
-              <a:t>7/31/2023</a:t>
-            </a:fld>
             <a:endParaRPr lang="en-US" dirty="0"/>
           </a:p>
         </p:txBody>
@@ -8646,10 +8509,7 @@
                 <a:spcPts val="600"/>
               </a:spcAft>
             </a:pPr>
-            <a:r>
-              <a:rPr lang="en-US"/>
-              <a:t>Sample Footer Text</a:t>
-            </a:r>
+            <a:endParaRPr lang="en-US" dirty="0"/>
           </a:p>
         </p:txBody>
       </p:sp>
@@ -8870,15 +8730,6 @@
                 <a:spcPts val="600"/>
               </a:spcAft>
             </a:pPr>
-            <a:fld id="{F7CCFFEB-476C-4C7B-A18E-7186B0DB1D22}" type="datetime1">
-              <a:rPr lang="en-US" smtClean="0"/>
-              <a:pPr>
-                <a:spcAft>
-                  <a:spcPts val="600"/>
-                </a:spcAft>
-              </a:pPr>
-              <a:t>7/31/2023</a:t>
-            </a:fld>
             <a:endParaRPr lang="en-US" dirty="0"/>
           </a:p>
         </p:txBody>
@@ -8914,10 +8765,7 @@
                 <a:spcPts val="600"/>
               </a:spcAft>
             </a:pPr>
-            <a:r>
-              <a:rPr lang="en-US"/>
-              <a:t>Sample Footer Text</a:t>
-            </a:r>
+            <a:endParaRPr lang="en-US" dirty="0"/>
           </a:p>
         </p:txBody>
       </p:sp>
@@ -9138,15 +8986,6 @@
                 <a:spcPts val="600"/>
               </a:spcAft>
             </a:pPr>
-            <a:fld id="{F7CCFFEB-476C-4C7B-A18E-7186B0DB1D22}" type="datetime1">
-              <a:rPr lang="en-US" smtClean="0"/>
-              <a:pPr>
-                <a:spcAft>
-                  <a:spcPts val="600"/>
-                </a:spcAft>
-              </a:pPr>
-              <a:t>7/31/2023</a:t>
-            </a:fld>
             <a:endParaRPr lang="en-US" dirty="0"/>
           </a:p>
         </p:txBody>
@@ -9182,10 +9021,7 @@
                 <a:spcPts val="600"/>
               </a:spcAft>
             </a:pPr>
-            <a:r>
-              <a:rPr lang="en-US"/>
-              <a:t>Sample Footer Text</a:t>
-            </a:r>
+            <a:endParaRPr lang="en-US" dirty="0"/>
           </a:p>
         </p:txBody>
       </p:sp>
@@ -9394,15 +9230,6 @@
                 <a:spcPts val="600"/>
               </a:spcAft>
             </a:pPr>
-            <a:fld id="{F7CCFFEB-476C-4C7B-A18E-7186B0DB1D22}" type="datetime1">
-              <a:rPr lang="en-US" smtClean="0"/>
-              <a:pPr>
-                <a:spcAft>
-                  <a:spcPts val="600"/>
-                </a:spcAft>
-              </a:pPr>
-              <a:t>7/31/2023</a:t>
-            </a:fld>
             <a:endParaRPr lang="en-US" dirty="0"/>
           </a:p>
         </p:txBody>
@@ -9438,10 +9265,7 @@
                 <a:spcPts val="600"/>
               </a:spcAft>
             </a:pPr>
-            <a:r>
-              <a:rPr lang="en-US"/>
-              <a:t>Sample Footer Text</a:t>
-            </a:r>
+            <a:endParaRPr lang="en-US" dirty="0"/>
           </a:p>
         </p:txBody>
       </p:sp>
@@ -9650,15 +9474,6 @@
                 <a:spcPts val="600"/>
               </a:spcAft>
             </a:pPr>
-            <a:fld id="{F7CCFFEB-476C-4C7B-A18E-7186B0DB1D22}" type="datetime1">
-              <a:rPr lang="en-US" smtClean="0"/>
-              <a:pPr>
-                <a:spcAft>
-                  <a:spcPts val="600"/>
-                </a:spcAft>
-              </a:pPr>
-              <a:t>7/31/2023</a:t>
-            </a:fld>
             <a:endParaRPr lang="en-US" dirty="0"/>
           </a:p>
         </p:txBody>
@@ -9694,10 +9509,7 @@
                 <a:spcPts val="600"/>
               </a:spcAft>
             </a:pPr>
-            <a:r>
-              <a:rPr lang="en-US"/>
-              <a:t>Sample Footer Text</a:t>
-            </a:r>
+            <a:endParaRPr lang="en-US" dirty="0"/>
           </a:p>
         </p:txBody>
       </p:sp>
@@ -9906,15 +9718,6 @@
                 <a:spcPts val="600"/>
               </a:spcAft>
             </a:pPr>
-            <a:fld id="{F7CCFFEB-476C-4C7B-A18E-7186B0DB1D22}" type="datetime1">
-              <a:rPr lang="en-US" smtClean="0"/>
-              <a:pPr>
-                <a:spcAft>
-                  <a:spcPts val="600"/>
-                </a:spcAft>
-              </a:pPr>
-              <a:t>7/31/2023</a:t>
-            </a:fld>
             <a:endParaRPr lang="en-US" dirty="0"/>
           </a:p>
         </p:txBody>
@@ -9950,10 +9753,7 @@
                 <a:spcPts val="600"/>
               </a:spcAft>
             </a:pPr>
-            <a:r>
-              <a:rPr lang="en-US"/>
-              <a:t>Sample Footer Text</a:t>
-            </a:r>
+            <a:endParaRPr lang="en-US" dirty="0"/>
           </a:p>
         </p:txBody>
       </p:sp>
@@ -10486,15 +10286,6 @@
                 <a:spcPts val="600"/>
               </a:spcAft>
             </a:pPr>
-            <a:fld id="{F7CCFFEB-476C-4C7B-A18E-7186B0DB1D22}" type="datetime1">
-              <a:rPr lang="en-US" smtClean="0"/>
-              <a:pPr>
-                <a:spcAft>
-                  <a:spcPts val="600"/>
-                </a:spcAft>
-              </a:pPr>
-              <a:t>7/31/2023</a:t>
-            </a:fld>
             <a:endParaRPr lang="en-US" dirty="0"/>
           </a:p>
         </p:txBody>
@@ -10530,10 +10321,7 @@
                 <a:spcPts val="600"/>
               </a:spcAft>
             </a:pPr>
-            <a:r>
-              <a:rPr lang="en-US"/>
-              <a:t>Sample Footer Text</a:t>
-            </a:r>
+            <a:endParaRPr lang="en-US" dirty="0"/>
           </a:p>
         </p:txBody>
       </p:sp>
@@ -10745,27 +10533,7 @@
                 <a:spcPts val="600"/>
               </a:spcAft>
             </a:pPr>
-            <a:fld id="{C44DFF69-10F2-434E-93A5-92B891A14D33}" type="datetime1">
-              <a:rPr lang="en-US" smtClean="0">
-                <a:solidFill>
-                  <a:srgbClr val="FFFFFF"/>
-                </a:solidFill>
-                <a:effectLst>
-                  <a:outerShdw blurRad="38100" dist="38100" dir="2700000" algn="tl">
-                    <a:srgbClr val="000000">
-                      <a:alpha val="43137"/>
-                    </a:srgbClr>
-                  </a:outerShdw>
-                </a:effectLst>
-              </a:rPr>
-              <a:pPr>
-                <a:spcAft>
-                  <a:spcPts val="600"/>
-                </a:spcAft>
-              </a:pPr>
-              <a:t>7/31/2023</a:t>
-            </a:fld>
-            <a:endParaRPr lang="en-US">
+            <a:endParaRPr lang="en-US" dirty="0">
               <a:solidFill>
                 <a:srgbClr val="FFFFFF"/>
               </a:solidFill>
@@ -10813,21 +10581,6 @@
                 <a:spcPts val="600"/>
               </a:spcAft>
             </a:pPr>
-            <a:r>
-              <a:rPr lang="en-US">
-                <a:solidFill>
-                  <a:srgbClr val="FFFFFF"/>
-                </a:solidFill>
-                <a:effectLst>
-                  <a:outerShdw blurRad="38100" dist="38100" dir="2700000" algn="tl">
-                    <a:srgbClr val="000000">
-                      <a:alpha val="43137"/>
-                    </a:srgbClr>
-                  </a:outerShdw>
-                </a:effectLst>
-              </a:rPr>
-              <a:t>Sample Footer Text</a:t>
-            </a:r>
             <a:endParaRPr lang="en-US" dirty="0">
               <a:solidFill>
                 <a:srgbClr val="FFFFFF"/>
@@ -11633,13 +11386,156 @@
           <a:lstStyle/>
           <a:p>
             <a:r>
-              <a:rPr lang="it-IT" sz="1900" dirty="0" err="1"/>
+              <a:rPr lang="it-IT" sz="1900" b="1" dirty="0" err="1"/>
               <a:t>PageOrchestrator</a:t>
             </a:r>
             <a:r>
+              <a:rPr lang="it-IT" sz="1900" b="1" dirty="0"/>
+              <a:t>:</a:t>
+            </a:r>
+            <a:r>
               <a:rPr lang="it-IT" sz="1900" dirty="0"/>
+              <a:t> </a:t>
+            </a:r>
+            <a:r>
+              <a:rPr lang="en-US" sz="1900" dirty="0"/>
+              <a:t>initializes and displays the page components</a:t>
+            </a:r>
+            <a:endParaRPr lang="it-IT" sz="1900" dirty="0"/>
+          </a:p>
+          <a:p>
+            <a:r>
+              <a:rPr lang="it-IT" sz="1800" b="1" dirty="0" err="1"/>
+              <a:t>VisualizeProduct</a:t>
+            </a:r>
+            <a:r>
+              <a:rPr lang="it-IT" sz="1800" b="1" dirty="0"/>
+              <a:t>: </a:t>
+            </a:r>
+            <a:r>
+              <a:rPr lang="en-US" sz="1800" dirty="0"/>
+              <a:t>takes care of displaying the table with the last 5 products visualized</a:t>
+            </a:r>
+          </a:p>
+          <a:p>
+            <a:r>
+              <a:rPr lang="it-IT" sz="1800" b="1" dirty="0" err="1"/>
+              <a:t>SearchForm</a:t>
+            </a:r>
+            <a:r>
+              <a:rPr lang="it-IT" sz="1800" b="1" dirty="0"/>
               <a:t>:</a:t>
             </a:r>
+            <a:r>
+              <a:rPr lang="en-US" sz="1800" dirty="0"/>
+              <a:t> shows the product search form</a:t>
+            </a:r>
+            <a:endParaRPr lang="it-IT" sz="1800" dirty="0"/>
+          </a:p>
+          <a:p>
+            <a:r>
+              <a:rPr lang="it-IT" sz="1800" b="1" dirty="0" err="1">
+                <a:effectLst/>
+              </a:rPr>
+              <a:t>VisualizeSearchProduct</a:t>
+            </a:r>
+            <a:r>
+              <a:rPr lang="it-IT" sz="1800" b="1" dirty="0">
+                <a:effectLst/>
+              </a:rPr>
+              <a:t>: </a:t>
+            </a:r>
+            <a:r>
+              <a:rPr lang="en-US" sz="1800" dirty="0">
+                <a:effectLst/>
+              </a:rPr>
+              <a:t>shows a list of products that contain the search keyword in the name or description </a:t>
+            </a:r>
+          </a:p>
+          <a:p>
+            <a:r>
+              <a:rPr lang="it-IT" sz="1800" b="1" dirty="0" err="1">
+                <a:effectLst/>
+              </a:rPr>
+              <a:t>VisualizeCartProduct</a:t>
+            </a:r>
+            <a:r>
+              <a:rPr lang="it-IT" sz="1800" b="1" dirty="0">
+                <a:effectLst/>
+              </a:rPr>
+              <a:t>: </a:t>
+            </a:r>
+            <a:r>
+              <a:rPr lang="it-IT" sz="1800" dirty="0">
+                <a:effectLst/>
+              </a:rPr>
+              <a:t> shows the </a:t>
+            </a:r>
+            <a:r>
+              <a:rPr lang="it-IT" sz="1800" dirty="0" err="1">
+                <a:effectLst/>
+              </a:rPr>
+              <a:t>cart</a:t>
+            </a:r>
+            <a:r>
+              <a:rPr lang="it-IT" sz="1800" dirty="0">
+                <a:effectLst/>
+              </a:rPr>
+              <a:t> </a:t>
+            </a:r>
+          </a:p>
+          <a:p>
+            <a:r>
+              <a:rPr lang="it-IT" sz="1800" b="1" dirty="0" err="1">
+                <a:effectLst/>
+                <a:latin typeface="+mj-lt"/>
+              </a:rPr>
+              <a:t>VisualizeOrderProduct</a:t>
+            </a:r>
+            <a:r>
+              <a:rPr lang="it-IT" sz="1800" b="1" dirty="0">
+                <a:effectLst/>
+                <a:latin typeface="+mj-lt"/>
+              </a:rPr>
+              <a:t>: </a:t>
+            </a:r>
+            <a:r>
+              <a:rPr lang="it-IT" sz="1800" dirty="0">
+                <a:effectLst/>
+                <a:latin typeface="+mj-lt"/>
+              </a:rPr>
+              <a:t>shows the </a:t>
+            </a:r>
+            <a:r>
+              <a:rPr lang="it-IT" sz="1800" dirty="0" err="1">
+                <a:effectLst/>
+                <a:latin typeface="+mj-lt"/>
+              </a:rPr>
+              <a:t>order</a:t>
+            </a:r>
+            <a:r>
+              <a:rPr lang="it-IT" sz="1800" dirty="0">
+                <a:effectLst/>
+                <a:latin typeface="+mj-lt"/>
+              </a:rPr>
+              <a:t> history</a:t>
+            </a:r>
+            <a:endParaRPr lang="it-IT" sz="1600" dirty="0">
+              <a:effectLst/>
+              <a:latin typeface="Courier New" panose="02070309020205020404" pitchFamily="49" charset="0"/>
+            </a:endParaRPr>
+          </a:p>
+          <a:p>
+            <a:pPr marL="0" indent="0">
+              <a:buNone/>
+            </a:pPr>
+            <a:endParaRPr lang="it-IT" sz="1800" dirty="0">
+              <a:effectLst/>
+              <a:latin typeface="Courier New" panose="02070309020205020404" pitchFamily="49" charset="0"/>
+            </a:endParaRPr>
+          </a:p>
+          <a:p>
+            <a:endParaRPr lang="it-IT" sz="1900" dirty="0"/>
           </a:p>
         </p:txBody>
       </p:sp>
@@ -11823,14 +11719,941 @@
             <p:ph idx="1"/>
             <p:extLst>
               <p:ext uri="{D42A27DB-BD31-4B8C-83A1-F6EECF244321}">
-                <p14:modId xmlns:p14="http://schemas.microsoft.com/office/powerpoint/2010/main" val="2771637882"/>
+                <p14:modId xmlns:p14="http://schemas.microsoft.com/office/powerpoint/2010/main" val="1424642332"/>
+              </p:ext>
+            </p:extLst>
+          </p:nvPr>
+        </p:nvGraphicFramePr>
+        <p:xfrm>
+          <a:off x="657224" y="1341120"/>
+          <a:ext cx="10620376" cy="5394960"/>
+        </p:xfrm>
+        <a:graphic>
+          <a:graphicData uri="http://schemas.openxmlformats.org/drawingml/2006/table">
+            <a:tbl>
+              <a:tblPr firstRow="1" bandRow="1">
+                <a:tableStyleId>{073A0DAA-6AF3-43AB-8588-CEC1D06C72B9}</a:tableStyleId>
+              </a:tblPr>
+              <a:tblGrid>
+                <a:gridCol w="2655094">
+                  <a:extLst>
+                    <a:ext uri="{9D8B030D-6E8A-4147-A177-3AD203B41FA5}">
+                      <a16:colId xmlns:a16="http://schemas.microsoft.com/office/drawing/2014/main" val="3192989572"/>
+                    </a:ext>
+                  </a:extLst>
+                </a:gridCol>
+                <a:gridCol w="2655094">
+                  <a:extLst>
+                    <a:ext uri="{9D8B030D-6E8A-4147-A177-3AD203B41FA5}">
+                      <a16:colId xmlns:a16="http://schemas.microsoft.com/office/drawing/2014/main" val="3685425177"/>
+                    </a:ext>
+                  </a:extLst>
+                </a:gridCol>
+                <a:gridCol w="2655094">
+                  <a:extLst>
+                    <a:ext uri="{9D8B030D-6E8A-4147-A177-3AD203B41FA5}">
+                      <a16:colId xmlns:a16="http://schemas.microsoft.com/office/drawing/2014/main" val="412556516"/>
+                    </a:ext>
+                  </a:extLst>
+                </a:gridCol>
+                <a:gridCol w="2655094">
+                  <a:extLst>
+                    <a:ext uri="{9D8B030D-6E8A-4147-A177-3AD203B41FA5}">
+                      <a16:colId xmlns:a16="http://schemas.microsoft.com/office/drawing/2014/main" val="929452601"/>
+                    </a:ext>
+                  </a:extLst>
+                </a:gridCol>
+              </a:tblGrid>
+              <a:tr h="348384">
+                <a:tc gridSpan="2">
+                  <a:txBody>
+                    <a:bodyPr/>
+                    <a:lstStyle/>
+                    <a:p>
+                      <a:r>
+                        <a:rPr lang="it-IT" dirty="0"/>
+                        <a:t>CLIENT SIDE</a:t>
+                      </a:r>
+                    </a:p>
+                  </a:txBody>
+                  <a:tcPr/>
+                </a:tc>
+                <a:tc hMerge="1">
+                  <a:txBody>
+                    <a:bodyPr/>
+                    <a:lstStyle/>
+                    <a:p>
+                      <a:endParaRPr lang="it-IT"/>
+                    </a:p>
+                  </a:txBody>
+                  <a:tcPr/>
+                </a:tc>
+                <a:tc gridSpan="2">
+                  <a:txBody>
+                    <a:bodyPr/>
+                    <a:lstStyle/>
+                    <a:p>
+                      <a:r>
+                        <a:rPr lang="it-IT" dirty="0"/>
+                        <a:t>SERVER SIDE</a:t>
+                      </a:r>
+                    </a:p>
+                  </a:txBody>
+                  <a:tcPr/>
+                </a:tc>
+                <a:tc hMerge="1">
+                  <a:txBody>
+                    <a:bodyPr/>
+                    <a:lstStyle/>
+                    <a:p>
+                      <a:endParaRPr lang="it-IT"/>
+                    </a:p>
+                  </a:txBody>
+                  <a:tcPr/>
+                </a:tc>
+                <a:extLst>
+                  <a:ext uri="{0D108BD9-81ED-4DB2-BD59-A6C34878D82A}">
+                    <a16:rowId xmlns:a16="http://schemas.microsoft.com/office/drawing/2014/main" val="2871723003"/>
+                  </a:ext>
+                </a:extLst>
+              </a:tr>
+              <a:tr h="348384">
+                <a:tc>
+                  <a:txBody>
+                    <a:bodyPr/>
+                    <a:lstStyle/>
+                    <a:p>
+                      <a:r>
+                        <a:rPr lang="it-IT" dirty="0"/>
+                        <a:t>EVENT</a:t>
+                      </a:r>
+                    </a:p>
+                  </a:txBody>
+                  <a:tcPr>
+                    <a:solidFill>
+                      <a:schemeClr val="tx1">
+                        <a:lumMod val="50000"/>
+                        <a:lumOff val="50000"/>
+                      </a:schemeClr>
+                    </a:solidFill>
+                  </a:tcPr>
+                </a:tc>
+                <a:tc>
+                  <a:txBody>
+                    <a:bodyPr/>
+                    <a:lstStyle/>
+                    <a:p>
+                      <a:r>
+                        <a:rPr lang="it-IT" dirty="0"/>
+                        <a:t>ACTION</a:t>
+                      </a:r>
+                    </a:p>
+                  </a:txBody>
+                  <a:tcPr>
+                    <a:solidFill>
+                      <a:schemeClr val="tx1">
+                        <a:lumMod val="50000"/>
+                        <a:lumOff val="50000"/>
+                      </a:schemeClr>
+                    </a:solidFill>
+                  </a:tcPr>
+                </a:tc>
+                <a:tc>
+                  <a:txBody>
+                    <a:bodyPr/>
+                    <a:lstStyle/>
+                    <a:p>
+                      <a:r>
+                        <a:rPr lang="it-IT" dirty="0"/>
+                        <a:t>EVENT</a:t>
+                      </a:r>
+                    </a:p>
+                  </a:txBody>
+                  <a:tcPr>
+                    <a:solidFill>
+                      <a:schemeClr val="tx1">
+                        <a:lumMod val="50000"/>
+                        <a:lumOff val="50000"/>
+                      </a:schemeClr>
+                    </a:solidFill>
+                  </a:tcPr>
+                </a:tc>
+                <a:tc>
+                  <a:txBody>
+                    <a:bodyPr/>
+                    <a:lstStyle/>
+                    <a:p>
+                      <a:r>
+                        <a:rPr lang="it-IT" dirty="0"/>
+                        <a:t>ACTION</a:t>
+                      </a:r>
+                    </a:p>
+                  </a:txBody>
+                  <a:tcPr>
+                    <a:solidFill>
+                      <a:schemeClr val="tx1">
+                        <a:lumMod val="50000"/>
+                        <a:lumOff val="50000"/>
+                      </a:schemeClr>
+                    </a:solidFill>
+                  </a:tcPr>
+                </a:tc>
+                <a:extLst>
+                  <a:ext uri="{0D108BD9-81ED-4DB2-BD59-A6C34878D82A}">
+                    <a16:rowId xmlns:a16="http://schemas.microsoft.com/office/drawing/2014/main" val="4206063415"/>
+                  </a:ext>
+                </a:extLst>
+              </a:tr>
+              <a:tr h="601321">
+                <a:tc>
+                  <a:txBody>
+                    <a:bodyPr/>
+                    <a:lstStyle/>
+                    <a:p>
+                      <a:r>
+                        <a:rPr lang="it-IT" dirty="0"/>
+                        <a:t>LoginPage.html </a:t>
+                      </a:r>
+                      <a:r>
+                        <a:rPr lang="it-IT" dirty="0">
+                          <a:sym typeface="Wingdings" panose="05000000000000000000" pitchFamily="2" charset="2"/>
+                        </a:rPr>
+                        <a:t> login </a:t>
+                      </a:r>
+                      <a:r>
+                        <a:rPr lang="it-IT" dirty="0" err="1">
+                          <a:sym typeface="Wingdings" panose="05000000000000000000" pitchFamily="2" charset="2"/>
+                        </a:rPr>
+                        <a:t>form</a:t>
+                      </a:r>
+                      <a:r>
+                        <a:rPr lang="it-IT" dirty="0">
+                          <a:sym typeface="Wingdings" panose="05000000000000000000" pitchFamily="2" charset="2"/>
+                        </a:rPr>
+                        <a:t>  </a:t>
+                      </a:r>
+                      <a:r>
+                        <a:rPr lang="it-IT" dirty="0" err="1">
+                          <a:sym typeface="Wingdings" panose="05000000000000000000" pitchFamily="2" charset="2"/>
+                        </a:rPr>
+                        <a:t>Submit</a:t>
+                      </a:r>
+                      <a:endParaRPr lang="it-IT" dirty="0"/>
+                    </a:p>
+                  </a:txBody>
+                  <a:tcPr/>
+                </a:tc>
+                <a:tc>
+                  <a:txBody>
+                    <a:bodyPr/>
+                    <a:lstStyle/>
+                    <a:p>
+                      <a:r>
+                        <a:rPr lang="it-IT" dirty="0"/>
+                        <a:t>Check </a:t>
+                      </a:r>
+                      <a:r>
+                        <a:rPr lang="it-IT" dirty="0" err="1"/>
+                        <a:t>submitted</a:t>
+                      </a:r>
+                      <a:r>
+                        <a:rPr lang="it-IT" dirty="0"/>
+                        <a:t> </a:t>
+                      </a:r>
+                      <a:r>
+                        <a:rPr lang="it-IT" dirty="0" err="1"/>
+                        <a:t>datas</a:t>
+                      </a:r>
+                      <a:endParaRPr lang="it-IT" dirty="0"/>
+                    </a:p>
+                  </a:txBody>
+                  <a:tcPr/>
+                </a:tc>
+                <a:tc>
+                  <a:txBody>
+                    <a:bodyPr/>
+                    <a:lstStyle/>
+                    <a:p>
+                      <a:r>
+                        <a:rPr lang="it-IT" dirty="0"/>
+                        <a:t>POST (mail, password)</a:t>
+                      </a:r>
+                    </a:p>
+                  </a:txBody>
+                  <a:tcPr/>
+                </a:tc>
+                <a:tc>
+                  <a:txBody>
+                    <a:bodyPr/>
+                    <a:lstStyle/>
+                    <a:p>
+                      <a:r>
+                        <a:rPr lang="it-IT" dirty="0"/>
+                        <a:t>mail &amp; password check</a:t>
+                      </a:r>
+                    </a:p>
+                  </a:txBody>
+                  <a:tcPr/>
+                </a:tc>
+                <a:extLst>
+                  <a:ext uri="{0D108BD9-81ED-4DB2-BD59-A6C34878D82A}">
+                    <a16:rowId xmlns:a16="http://schemas.microsoft.com/office/drawing/2014/main" val="2832679421"/>
+                  </a:ext>
+                </a:extLst>
+              </a:tr>
+              <a:tr h="601321">
+                <a:tc>
+                  <a:txBody>
+                    <a:bodyPr/>
+                    <a:lstStyle/>
+                    <a:p>
+                      <a:r>
+                        <a:rPr lang="it-IT" dirty="0"/>
+                        <a:t>Market </a:t>
+                      </a:r>
+                      <a:r>
+                        <a:rPr lang="it-IT" dirty="0">
+                          <a:sym typeface="Wingdings" panose="05000000000000000000" pitchFamily="2" charset="2"/>
+                        </a:rPr>
+                        <a:t> </a:t>
+                      </a:r>
+                      <a:r>
+                        <a:rPr lang="it-IT" dirty="0" err="1">
+                          <a:sym typeface="Wingdings" panose="05000000000000000000" pitchFamily="2" charset="2"/>
+                        </a:rPr>
+                        <a:t>load</a:t>
+                      </a:r>
+                      <a:endParaRPr lang="it-IT" dirty="0"/>
+                    </a:p>
+                  </a:txBody>
+                  <a:tcPr/>
+                </a:tc>
+                <a:tc>
+                  <a:txBody>
+                    <a:bodyPr/>
+                    <a:lstStyle/>
+                    <a:p>
+                      <a:r>
+                        <a:rPr lang="it-IT" dirty="0"/>
+                        <a:t>Show the Home Page</a:t>
+                      </a:r>
+                    </a:p>
+                  </a:txBody>
+                  <a:tcPr/>
+                </a:tc>
+                <a:tc>
+                  <a:txBody>
+                    <a:bodyPr/>
+                    <a:lstStyle/>
+                    <a:p>
+                      <a:r>
+                        <a:rPr lang="it-IT" dirty="0"/>
+                        <a:t>GET</a:t>
+                      </a:r>
+                    </a:p>
+                  </a:txBody>
+                  <a:tcPr/>
+                </a:tc>
+                <a:tc>
+                  <a:txBody>
+                    <a:bodyPr/>
+                    <a:lstStyle/>
+                    <a:p>
+                      <a:r>
+                        <a:rPr lang="it-IT" dirty="0" err="1"/>
+                        <a:t>Retrieves</a:t>
+                      </a:r>
+                      <a:r>
+                        <a:rPr lang="it-IT" dirty="0"/>
+                        <a:t> the </a:t>
+                      </a:r>
+                      <a:r>
+                        <a:rPr lang="it-IT" dirty="0" err="1"/>
+                        <a:t>user’s</a:t>
+                      </a:r>
+                      <a:r>
+                        <a:rPr lang="it-IT" dirty="0"/>
+                        <a:t> last </a:t>
+                      </a:r>
+                      <a:r>
+                        <a:rPr lang="it-IT" dirty="0" err="1"/>
+                        <a:t>five</a:t>
+                      </a:r>
+                      <a:r>
+                        <a:rPr lang="it-IT" dirty="0"/>
+                        <a:t> </a:t>
+                      </a:r>
+                      <a:r>
+                        <a:rPr lang="it-IT" dirty="0" err="1"/>
+                        <a:t>visualized</a:t>
+                      </a:r>
+                      <a:r>
+                        <a:rPr lang="it-IT" dirty="0"/>
+                        <a:t> products</a:t>
+                      </a:r>
+                    </a:p>
+                  </a:txBody>
+                  <a:tcPr/>
+                </a:tc>
+                <a:extLst>
+                  <a:ext uri="{0D108BD9-81ED-4DB2-BD59-A6C34878D82A}">
+                    <a16:rowId xmlns:a16="http://schemas.microsoft.com/office/drawing/2014/main" val="653421763"/>
+                  </a:ext>
+                </a:extLst>
+              </a:tr>
+              <a:tr h="859030">
+                <a:tc>
+                  <a:txBody>
+                    <a:bodyPr/>
+                    <a:lstStyle/>
+                    <a:p>
+                      <a:r>
+                        <a:rPr lang="it-IT" dirty="0" err="1"/>
+                        <a:t>Market</a:t>
+                      </a:r>
+                      <a:r>
+                        <a:rPr lang="it-IT" dirty="0" err="1">
+                          <a:sym typeface="Wingdings" panose="05000000000000000000" pitchFamily="2" charset="2"/>
+                        </a:rPr>
+                        <a:t>Search</a:t>
+                      </a:r>
+                      <a:r>
+                        <a:rPr lang="it-IT" dirty="0">
+                          <a:sym typeface="Wingdings" panose="05000000000000000000" pitchFamily="2" charset="2"/>
+                        </a:rPr>
+                        <a:t> </a:t>
+                      </a:r>
+                      <a:r>
+                        <a:rPr lang="it-IT" dirty="0" err="1">
+                          <a:sym typeface="Wingdings" panose="05000000000000000000" pitchFamily="2" charset="2"/>
+                        </a:rPr>
+                        <a:t>formSubmit</a:t>
+                      </a:r>
+                      <a:endParaRPr lang="it-IT" dirty="0"/>
+                    </a:p>
+                  </a:txBody>
+                  <a:tcPr/>
+                </a:tc>
+                <a:tc>
+                  <a:txBody>
+                    <a:bodyPr/>
+                    <a:lstStyle/>
+                    <a:p>
+                      <a:r>
+                        <a:rPr lang="it-IT" dirty="0" err="1"/>
+                        <a:t>Asking</a:t>
+                      </a:r>
+                      <a:r>
+                        <a:rPr lang="it-IT" dirty="0"/>
+                        <a:t> for products </a:t>
+                      </a:r>
+                      <a:r>
+                        <a:rPr lang="it-IT" dirty="0" err="1"/>
+                        <a:t>that</a:t>
+                      </a:r>
+                      <a:r>
+                        <a:rPr lang="it-IT" dirty="0"/>
+                        <a:t> match with the keyword</a:t>
+                      </a:r>
+                    </a:p>
+                  </a:txBody>
+                  <a:tcPr/>
+                </a:tc>
+                <a:tc>
+                  <a:txBody>
+                    <a:bodyPr/>
+                    <a:lstStyle/>
+                    <a:p>
+                      <a:r>
+                        <a:rPr lang="it-IT" dirty="0"/>
+                        <a:t>POST(keyword)</a:t>
+                      </a:r>
+                    </a:p>
+                  </a:txBody>
+                  <a:tcPr/>
+                </a:tc>
+                <a:tc>
+                  <a:txBody>
+                    <a:bodyPr/>
+                    <a:lstStyle/>
+                    <a:p>
+                      <a:r>
+                        <a:rPr lang="it-IT" dirty="0" err="1"/>
+                        <a:t>Retrieves</a:t>
+                      </a:r>
+                      <a:r>
+                        <a:rPr lang="it-IT" dirty="0"/>
+                        <a:t> the products </a:t>
+                      </a:r>
+                      <a:r>
+                        <a:rPr lang="it-IT" dirty="0" err="1"/>
+                        <a:t>that</a:t>
+                      </a:r>
+                      <a:r>
+                        <a:rPr lang="it-IT" dirty="0"/>
+                        <a:t> </a:t>
+                      </a:r>
+                      <a:r>
+                        <a:rPr lang="it-IT" dirty="0" err="1"/>
+                        <a:t>contains</a:t>
+                      </a:r>
+                      <a:r>
+                        <a:rPr lang="it-IT" dirty="0"/>
+                        <a:t> the keyword in the name or </a:t>
+                      </a:r>
+                      <a:r>
+                        <a:rPr lang="it-IT" dirty="0" err="1"/>
+                        <a:t>description</a:t>
+                      </a:r>
+                      <a:endParaRPr lang="it-IT" dirty="0"/>
+                    </a:p>
+                  </a:txBody>
+                  <a:tcPr/>
+                </a:tc>
+                <a:extLst>
+                  <a:ext uri="{0D108BD9-81ED-4DB2-BD59-A6C34878D82A}">
+                    <a16:rowId xmlns:a16="http://schemas.microsoft.com/office/drawing/2014/main" val="2874445085"/>
+                  </a:ext>
+                </a:extLst>
+              </a:tr>
+              <a:tr h="601321">
+                <a:tc>
+                  <a:txBody>
+                    <a:bodyPr/>
+                    <a:lstStyle/>
+                    <a:p>
+                      <a:r>
+                        <a:rPr lang="it-IT" dirty="0" err="1"/>
+                        <a:t>Market</a:t>
+                      </a:r>
+                      <a:r>
+                        <a:rPr lang="it-IT" dirty="0" err="1">
+                          <a:sym typeface="Wingdings" panose="05000000000000000000" pitchFamily="2" charset="2"/>
+                        </a:rPr>
+                        <a:t>link</a:t>
+                      </a:r>
+                      <a:r>
+                        <a:rPr lang="it-IT" dirty="0">
+                          <a:sym typeface="Wingdings" panose="05000000000000000000" pitchFamily="2" charset="2"/>
+                        </a:rPr>
+                        <a:t> </a:t>
+                      </a:r>
+                      <a:r>
+                        <a:rPr lang="it-IT" dirty="0" err="1">
+                          <a:sym typeface="Wingdings" panose="05000000000000000000" pitchFamily="2" charset="2"/>
+                        </a:rPr>
+                        <a:t>details</a:t>
+                      </a:r>
+                      <a:endParaRPr lang="it-IT" dirty="0"/>
+                    </a:p>
+                  </a:txBody>
+                  <a:tcPr/>
+                </a:tc>
+                <a:tc>
+                  <a:txBody>
+                    <a:bodyPr/>
+                    <a:lstStyle/>
+                    <a:p>
+                      <a:r>
+                        <a:rPr lang="it-IT" dirty="0" err="1"/>
+                        <a:t>Asking</a:t>
+                      </a:r>
+                      <a:r>
+                        <a:rPr lang="it-IT" dirty="0"/>
+                        <a:t> for </a:t>
+                      </a:r>
+                      <a:r>
+                        <a:rPr lang="it-IT" dirty="0" err="1"/>
+                        <a:t>details</a:t>
+                      </a:r>
+                      <a:r>
+                        <a:rPr lang="it-IT" dirty="0"/>
+                        <a:t> </a:t>
+                      </a:r>
+                      <a:r>
+                        <a:rPr lang="it-IT" dirty="0" err="1"/>
+                        <a:t>about</a:t>
+                      </a:r>
+                      <a:r>
+                        <a:rPr lang="it-IT" dirty="0"/>
+                        <a:t> a product</a:t>
+                      </a:r>
+                    </a:p>
+                  </a:txBody>
+                  <a:tcPr/>
+                </a:tc>
+                <a:tc>
+                  <a:txBody>
+                    <a:bodyPr/>
+                    <a:lstStyle/>
+                    <a:p>
+                      <a:r>
+                        <a:rPr lang="it-IT" dirty="0"/>
+                        <a:t>POST(</a:t>
+                      </a:r>
+                      <a:r>
+                        <a:rPr lang="it-IT" dirty="0" err="1"/>
+                        <a:t>productCode</a:t>
+                      </a:r>
+                      <a:r>
+                        <a:rPr lang="it-IT" dirty="0"/>
+                        <a:t>)</a:t>
+                      </a:r>
+                    </a:p>
+                  </a:txBody>
+                  <a:tcPr/>
+                </a:tc>
+                <a:tc>
+                  <a:txBody>
+                    <a:bodyPr/>
+                    <a:lstStyle/>
+                    <a:p>
+                      <a:r>
+                        <a:rPr lang="it-IT" dirty="0" err="1"/>
+                        <a:t>Retrieves</a:t>
+                      </a:r>
+                      <a:r>
+                        <a:rPr lang="it-IT" dirty="0"/>
+                        <a:t> the </a:t>
+                      </a:r>
+                      <a:r>
+                        <a:rPr lang="it-IT" dirty="0" err="1"/>
+                        <a:t>details</a:t>
+                      </a:r>
+                      <a:r>
+                        <a:rPr lang="it-IT" dirty="0"/>
+                        <a:t> </a:t>
+                      </a:r>
+                      <a:r>
+                        <a:rPr lang="it-IT" dirty="0" err="1"/>
+                        <a:t>about</a:t>
+                      </a:r>
+                      <a:r>
+                        <a:rPr lang="it-IT" dirty="0"/>
+                        <a:t> the product </a:t>
+                      </a:r>
+                      <a:r>
+                        <a:rPr lang="it-IT" dirty="0" err="1"/>
+                        <a:t>clicked</a:t>
+                      </a:r>
+                      <a:endParaRPr lang="it-IT" dirty="0"/>
+                    </a:p>
+                  </a:txBody>
+                  <a:tcPr/>
+                </a:tc>
+                <a:extLst>
+                  <a:ext uri="{0D108BD9-81ED-4DB2-BD59-A6C34878D82A}">
+                    <a16:rowId xmlns:a16="http://schemas.microsoft.com/office/drawing/2014/main" val="1963645017"/>
+                  </a:ext>
+                </a:extLst>
+              </a:tr>
+              <a:tr h="859030">
+                <a:tc>
+                  <a:txBody>
+                    <a:bodyPr/>
+                    <a:lstStyle/>
+                    <a:p>
+                      <a:r>
+                        <a:rPr lang="it-IT" dirty="0" err="1"/>
+                        <a:t>Market</a:t>
+                      </a:r>
+                      <a:r>
+                        <a:rPr lang="it-IT" dirty="0" err="1">
+                          <a:sym typeface="Wingdings" panose="05000000000000000000" pitchFamily="2" charset="2"/>
+                        </a:rPr>
+                        <a:t>mouseover</a:t>
+                      </a:r>
+                      <a:r>
+                        <a:rPr lang="it-IT" dirty="0">
+                          <a:sym typeface="Wingdings" panose="05000000000000000000" pitchFamily="2" charset="2"/>
+                        </a:rPr>
+                        <a:t> </a:t>
+                      </a:r>
+                      <a:r>
+                        <a:rPr lang="it-IT" dirty="0" err="1">
+                          <a:sym typeface="Wingdings" panose="05000000000000000000" pitchFamily="2" charset="2"/>
+                        </a:rPr>
+                        <a:t>details</a:t>
+                      </a:r>
+                      <a:endParaRPr lang="it-IT" dirty="0"/>
+                    </a:p>
+                  </a:txBody>
+                  <a:tcPr/>
+                </a:tc>
+                <a:tc>
+                  <a:txBody>
+                    <a:bodyPr/>
+                    <a:lstStyle/>
+                    <a:p>
+                      <a:r>
+                        <a:rPr lang="it-IT" dirty="0"/>
+                        <a:t>Show a new window with the </a:t>
+                      </a:r>
+                      <a:r>
+                        <a:rPr lang="it-IT" dirty="0" err="1"/>
+                        <a:t>supplier’s</a:t>
+                      </a:r>
+                      <a:r>
+                        <a:rPr lang="it-IT" dirty="0"/>
+                        <a:t> products </a:t>
+                      </a:r>
+                      <a:r>
+                        <a:rPr lang="it-IT" dirty="0" err="1"/>
+                        <a:t>already</a:t>
+                      </a:r>
+                      <a:r>
+                        <a:rPr lang="it-IT" dirty="0"/>
+                        <a:t> in </a:t>
+                      </a:r>
+                      <a:r>
+                        <a:rPr lang="it-IT" dirty="0" err="1"/>
+                        <a:t>cart</a:t>
+                      </a:r>
+                      <a:endParaRPr lang="it-IT" dirty="0"/>
+                    </a:p>
+                  </a:txBody>
+                  <a:tcPr/>
+                </a:tc>
+                <a:tc>
+                  <a:txBody>
+                    <a:bodyPr/>
+                    <a:lstStyle/>
+                    <a:p>
+                      <a:endParaRPr lang="it-IT" dirty="0"/>
+                    </a:p>
+                  </a:txBody>
+                  <a:tcPr/>
+                </a:tc>
+                <a:tc>
+                  <a:txBody>
+                    <a:bodyPr/>
+                    <a:lstStyle/>
+                    <a:p>
+                      <a:endParaRPr lang="it-IT" dirty="0"/>
+                    </a:p>
+                  </a:txBody>
+                  <a:tcPr/>
+                </a:tc>
+                <a:extLst>
+                  <a:ext uri="{0D108BD9-81ED-4DB2-BD59-A6C34878D82A}">
+                    <a16:rowId xmlns:a16="http://schemas.microsoft.com/office/drawing/2014/main" val="2707391907"/>
+                  </a:ext>
+                </a:extLst>
+              </a:tr>
+              <a:tr h="601321">
+                <a:tc>
+                  <a:txBody>
+                    <a:bodyPr/>
+                    <a:lstStyle/>
+                    <a:p>
+                      <a:r>
+                        <a:rPr lang="it-IT" dirty="0" err="1"/>
+                        <a:t>Market</a:t>
+                      </a:r>
+                      <a:r>
+                        <a:rPr lang="it-IT" dirty="0" err="1">
+                          <a:sym typeface="Wingdings" panose="05000000000000000000" pitchFamily="2" charset="2"/>
+                        </a:rPr>
+                        <a:t>add</a:t>
+                      </a:r>
+                      <a:r>
+                        <a:rPr lang="it-IT" dirty="0">
+                          <a:sym typeface="Wingdings" panose="05000000000000000000" pitchFamily="2" charset="2"/>
+                        </a:rPr>
+                        <a:t> to </a:t>
+                      </a:r>
+                      <a:r>
+                        <a:rPr lang="it-IT" dirty="0" err="1">
+                          <a:sym typeface="Wingdings" panose="05000000000000000000" pitchFamily="2" charset="2"/>
+                        </a:rPr>
+                        <a:t>cart</a:t>
+                      </a:r>
+                      <a:r>
+                        <a:rPr lang="it-IT" dirty="0">
+                          <a:sym typeface="Wingdings" panose="05000000000000000000" pitchFamily="2" charset="2"/>
+                        </a:rPr>
+                        <a:t> </a:t>
+                      </a:r>
+                      <a:r>
+                        <a:rPr lang="it-IT" dirty="0" err="1">
+                          <a:sym typeface="Wingdings" panose="05000000000000000000" pitchFamily="2" charset="2"/>
+                        </a:rPr>
+                        <a:t>buttonSubmit</a:t>
+                      </a:r>
+                      <a:endParaRPr lang="it-IT" dirty="0"/>
+                    </a:p>
+                  </a:txBody>
+                  <a:tcPr/>
+                </a:tc>
+                <a:tc>
+                  <a:txBody>
+                    <a:bodyPr/>
+                    <a:lstStyle/>
+                    <a:p>
+                      <a:pPr marL="0" marR="0" lvl="0" indent="0" algn="l" defTabSz="914400" rtl="0" eaLnBrk="1" fontAlgn="auto" latinLnBrk="0" hangingPunct="1">
+                        <a:lnSpc>
+                          <a:spcPct val="100000"/>
+                        </a:lnSpc>
+                        <a:spcBef>
+                          <a:spcPts val="0"/>
+                        </a:spcBef>
+                        <a:spcAft>
+                          <a:spcPts val="0"/>
+                        </a:spcAft>
+                        <a:buClrTx/>
+                        <a:buSzTx/>
+                        <a:buFontTx/>
+                        <a:buNone/>
+                        <a:tabLst/>
+                        <a:defRPr/>
+                      </a:pPr>
+                      <a:r>
+                        <a:rPr lang="it-IT" dirty="0" err="1"/>
+                        <a:t>Add</a:t>
+                      </a:r>
+                      <a:r>
+                        <a:rPr lang="it-IT" dirty="0"/>
+                        <a:t> the product to </a:t>
+                      </a:r>
+                      <a:r>
+                        <a:rPr lang="it-IT" dirty="0" err="1"/>
+                        <a:t>cart</a:t>
+                      </a:r>
+                      <a:r>
+                        <a:rPr lang="it-IT" dirty="0"/>
+                        <a:t> and show the </a:t>
+                      </a:r>
+                      <a:r>
+                        <a:rPr lang="it-IT" dirty="0" err="1"/>
+                        <a:t>cart</a:t>
+                      </a:r>
+                      <a:endParaRPr lang="it-IT" dirty="0"/>
+                    </a:p>
+                    <a:p>
+                      <a:endParaRPr lang="it-IT" dirty="0"/>
+                    </a:p>
+                  </a:txBody>
+                  <a:tcPr/>
+                </a:tc>
+                <a:tc>
+                  <a:txBody>
+                    <a:bodyPr/>
+                    <a:lstStyle/>
+                    <a:p>
+                      <a:endParaRPr lang="it-IT" dirty="0"/>
+                    </a:p>
+                  </a:txBody>
+                  <a:tcPr/>
+                </a:tc>
+                <a:tc>
+                  <a:txBody>
+                    <a:bodyPr/>
+                    <a:lstStyle/>
+                    <a:p>
+                      <a:endParaRPr lang="it-IT" dirty="0"/>
+                    </a:p>
+                  </a:txBody>
+                  <a:tcPr/>
+                </a:tc>
+                <a:extLst>
+                  <a:ext uri="{0D108BD9-81ED-4DB2-BD59-A6C34878D82A}">
+                    <a16:rowId xmlns:a16="http://schemas.microsoft.com/office/drawing/2014/main" val="3036927906"/>
+                  </a:ext>
+                </a:extLst>
+              </a:tr>
+            </a:tbl>
+          </a:graphicData>
+        </a:graphic>
+      </p:graphicFrame>
+    </p:spTree>
+    <p:extLst>
+      <p:ext uri="{BB962C8B-B14F-4D97-AF65-F5344CB8AC3E}">
+        <p14:creationId xmlns:p14="http://schemas.microsoft.com/office/powerpoint/2010/main" val="3811065406"/>
+      </p:ext>
+    </p:extLst>
+  </p:cSld>
+  <p:clrMapOvr>
+    <a:masterClrMapping/>
+  </p:clrMapOvr>
+</p:sld>
+</file>
+
+<file path=ppt/slides/slide37.xml><?xml version="1.0" encoding="utf-8"?>
+<p:sld xmlns:a="http://schemas.openxmlformats.org/drawingml/2006/main" xmlns:r="http://schemas.openxmlformats.org/officeDocument/2006/relationships" xmlns:p="http://schemas.openxmlformats.org/presentationml/2006/main">
+  <p:cSld>
+    <p:spTree>
+      <p:nvGrpSpPr>
+        <p:cNvPr id="1" name=""/>
+        <p:cNvGrpSpPr/>
+        <p:nvPr/>
+      </p:nvGrpSpPr>
+      <p:grpSpPr>
+        <a:xfrm>
+          <a:off x="0" y="0"/>
+          <a:ext cx="0" cy="0"/>
+          <a:chOff x="0" y="0"/>
+          <a:chExt cx="0" cy="0"/>
+        </a:xfrm>
+      </p:grpSpPr>
+      <p:sp>
+        <p:nvSpPr>
+          <p:cNvPr id="2" name="Titolo 1">
+            <a:extLst>
+              <a:ext uri="{FF2B5EF4-FFF2-40B4-BE49-F238E27FC236}">
+                <a16:creationId xmlns:a16="http://schemas.microsoft.com/office/drawing/2014/main" id="{76281365-B6CE-4CE2-BEFA-D0D12DCC6310}"/>
+              </a:ext>
+            </a:extLst>
+          </p:cNvPr>
+          <p:cNvSpPr>
+            <a:spLocks noGrp="1"/>
+          </p:cNvSpPr>
+          <p:nvPr>
+            <p:ph type="title"/>
+          </p:nvPr>
+        </p:nvSpPr>
+        <p:spPr>
+          <a:xfrm>
+            <a:off x="652371" y="466344"/>
+            <a:ext cx="10625229" cy="704089"/>
+          </a:xfrm>
+        </p:spPr>
+        <p:txBody>
+          <a:bodyPr>
+            <a:normAutofit fontScale="90000"/>
+          </a:bodyPr>
+          <a:lstStyle/>
+          <a:p>
+            <a:r>
+              <a:rPr lang="it-IT" dirty="0"/>
+              <a:t>Events &amp; Actions</a:t>
+            </a:r>
+          </a:p>
+        </p:txBody>
+      </p:sp>
+      <p:graphicFrame>
+        <p:nvGraphicFramePr>
+          <p:cNvPr id="4" name="Tabella 4">
+            <a:extLst>
+              <a:ext uri="{FF2B5EF4-FFF2-40B4-BE49-F238E27FC236}">
+                <a16:creationId xmlns:a16="http://schemas.microsoft.com/office/drawing/2014/main" id="{FB571DA4-A4AC-484E-A1BB-8D08DD84A48F}"/>
+              </a:ext>
+            </a:extLst>
+          </p:cNvPr>
+          <p:cNvGraphicFramePr>
+            <a:graphicFrameLocks noGrp="1"/>
+          </p:cNvGraphicFramePr>
+          <p:nvPr>
+            <p:ph idx="1"/>
+            <p:extLst>
+              <p:ext uri="{D42A27DB-BD31-4B8C-83A1-F6EECF244321}">
+                <p14:modId xmlns:p14="http://schemas.microsoft.com/office/powerpoint/2010/main" val="212675259"/>
               </p:ext>
             </p:extLst>
           </p:nvPr>
         </p:nvGraphicFramePr>
         <p:xfrm>
           <a:off x="652463" y="2095500"/>
-          <a:ext cx="10620376" cy="3708400"/>
+          <a:ext cx="10620376" cy="2301240"/>
         </p:xfrm>
         <a:graphic>
           <a:graphicData uri="http://schemas.openxmlformats.org/drawingml/2006/table">
@@ -12014,6 +12837,46 @@
                     <a:bodyPr/>
                     <a:lstStyle/>
                     <a:p>
+                      <a:r>
+                        <a:rPr lang="it-IT" dirty="0"/>
+                        <a:t>Market</a:t>
+                      </a:r>
+                      <a:r>
+                        <a:rPr lang="it-IT" dirty="0">
+                          <a:sym typeface="Wingdings" panose="05000000000000000000" pitchFamily="2" charset="2"/>
+                        </a:rPr>
+                        <a:t> </a:t>
+                      </a:r>
+                      <a:r>
+                        <a:rPr lang="it-IT" dirty="0" err="1">
+                          <a:sym typeface="Wingdings" panose="05000000000000000000" pitchFamily="2" charset="2"/>
+                        </a:rPr>
+                        <a:t>add</a:t>
+                      </a:r>
+                      <a:r>
+                        <a:rPr lang="it-IT" dirty="0">
+                          <a:sym typeface="Wingdings" panose="05000000000000000000" pitchFamily="2" charset="2"/>
+                        </a:rPr>
+                        <a:t> to </a:t>
+                      </a:r>
+                      <a:r>
+                        <a:rPr lang="it-IT" dirty="0" err="1">
+                          <a:sym typeface="Wingdings" panose="05000000000000000000" pitchFamily="2" charset="2"/>
+                        </a:rPr>
+                        <a:t>order</a:t>
+                      </a:r>
+                      <a:r>
+                        <a:rPr lang="it-IT" dirty="0">
+                          <a:sym typeface="Wingdings" panose="05000000000000000000" pitchFamily="2" charset="2"/>
+                        </a:rPr>
+                        <a:t> </a:t>
+                      </a:r>
+                      <a:r>
+                        <a:rPr lang="it-IT" dirty="0" err="1">
+                          <a:sym typeface="Wingdings" panose="05000000000000000000" pitchFamily="2" charset="2"/>
+                        </a:rPr>
+                        <a:t>buttonSubmit</a:t>
+                      </a:r>
                       <a:endParaRPr lang="it-IT" dirty="0"/>
                     </a:p>
                   </a:txBody>
@@ -12024,7 +12887,70 @@
                     <a:bodyPr/>
                     <a:lstStyle/>
                     <a:p>
-                      <a:endParaRPr lang="it-IT" dirty="0"/>
+                      <a:r>
+                        <a:rPr lang="it-IT" dirty="0" err="1"/>
+                        <a:t>Asking</a:t>
+                      </a:r>
+                      <a:r>
+                        <a:rPr lang="it-IT" dirty="0"/>
+                        <a:t> for </a:t>
+                      </a:r>
+                      <a:r>
+                        <a:rPr lang="it-IT" dirty="0" err="1"/>
+                        <a:t>insert</a:t>
+                      </a:r>
+                      <a:r>
+                        <a:rPr lang="it-IT" dirty="0"/>
+                        <a:t> an </a:t>
+                      </a:r>
+                      <a:r>
+                        <a:rPr lang="it-IT" dirty="0" err="1"/>
+                        <a:t>order</a:t>
+                      </a:r>
+                      <a:r>
+                        <a:rPr lang="it-IT" dirty="0"/>
+                        <a:t> and </a:t>
+                      </a:r>
+                      <a:r>
+                        <a:rPr lang="it-IT" dirty="0" err="1"/>
+                        <a:t>remove</a:t>
+                      </a:r>
+                      <a:r>
+                        <a:rPr lang="it-IT" dirty="0"/>
+                        <a:t> </a:t>
+                      </a:r>
+                      <a:r>
+                        <a:rPr lang="it-IT" dirty="0" err="1"/>
+                        <a:t>form</a:t>
+                      </a:r>
+                      <a:r>
+                        <a:rPr lang="it-IT" dirty="0"/>
+                        <a:t> the </a:t>
+                      </a:r>
+                      <a:r>
+                        <a:rPr lang="it-IT" dirty="0" err="1"/>
+                        <a:t>cart</a:t>
+                      </a:r>
+                      <a:r>
+                        <a:rPr lang="it-IT" dirty="0"/>
+                        <a:t> the </a:t>
+                      </a:r>
+                      <a:r>
+                        <a:rPr lang="it-IT" dirty="0" err="1"/>
+                        <a:t>cartSupplier</a:t>
+                      </a:r>
+                      <a:r>
+                        <a:rPr lang="it-IT" dirty="0"/>
+                        <a:t> with </a:t>
+                      </a:r>
+                      <a:r>
+                        <a:rPr lang="it-IT" dirty="0" err="1"/>
+                        <a:t>his</a:t>
+                      </a:r>
+                      <a:r>
+                        <a:rPr lang="it-IT" dirty="0"/>
+                        <a:t> products</a:t>
+                      </a:r>
                     </a:p>
                   </a:txBody>
                   <a:tcPr/>
@@ -12034,7 +12960,18 @@
                     <a:bodyPr/>
                     <a:lstStyle/>
                     <a:p>
-                      <a:endParaRPr lang="it-IT" dirty="0"/>
+                      <a:r>
+                        <a:rPr lang="it-IT" dirty="0"/>
+                        <a:t>POST(</a:t>
+                      </a:r>
+                      <a:r>
+                        <a:rPr lang="it-IT" dirty="0" err="1"/>
+                        <a:t>cartSupplier</a:t>
+                      </a:r>
+                      <a:r>
+                        <a:rPr lang="it-IT" dirty="0"/>
+                        <a:t>)</a:t>
+                      </a:r>
                     </a:p>
                   </a:txBody>
                   <a:tcPr/>
@@ -12044,7 +12981,34 @@
                     <a:bodyPr/>
                     <a:lstStyle/>
                     <a:p>
-                      <a:endParaRPr lang="it-IT" dirty="0"/>
+                      <a:r>
+                        <a:rPr lang="it-IT" dirty="0"/>
+                        <a:t>Create a new </a:t>
+                      </a:r>
+                      <a:r>
+                        <a:rPr lang="it-IT" dirty="0" err="1"/>
+                        <a:t>order</a:t>
+                      </a:r>
+                      <a:r>
+                        <a:rPr lang="it-IT" dirty="0"/>
+                        <a:t> and </a:t>
+                      </a:r>
+                      <a:r>
+                        <a:rPr lang="it-IT" dirty="0" err="1"/>
+                        <a:t>retrieves</a:t>
+                      </a:r>
+                      <a:r>
+                        <a:rPr lang="it-IT" dirty="0"/>
+                        <a:t> a list with the </a:t>
+                      </a:r>
+                      <a:r>
+                        <a:rPr lang="it-IT" dirty="0" err="1"/>
+                        <a:t>orders</a:t>
+                      </a:r>
+                      <a:r>
+                        <a:rPr lang="it-IT" dirty="0"/>
+                        <a:t> of the user</a:t>
+                      </a:r>
                     </a:p>
                   </a:txBody>
                   <a:tcPr/>
@@ -12061,6 +13025,28 @@
                     <a:bodyPr/>
                     <a:lstStyle/>
                     <a:p>
+                      <a:r>
+                        <a:rPr lang="it-IT" dirty="0" err="1"/>
+                        <a:t>Market</a:t>
+                      </a:r>
+                      <a:r>
+                        <a:rPr lang="it-IT" dirty="0" err="1">
+                          <a:sym typeface="Wingdings" panose="05000000000000000000" pitchFamily="2" charset="2"/>
+                        </a:rPr>
+                        <a:t>link</a:t>
+                      </a:r>
+                      <a:r>
+                        <a:rPr lang="it-IT" dirty="0">
+                          <a:sym typeface="Wingdings" panose="05000000000000000000" pitchFamily="2" charset="2"/>
+                        </a:rPr>
+                        <a:t> </a:t>
+                      </a:r>
+                      <a:r>
+                        <a:rPr lang="it-IT" dirty="0" err="1">
+                          <a:sym typeface="Wingdings" panose="05000000000000000000" pitchFamily="2" charset="2"/>
+                        </a:rPr>
+                        <a:t>Logout</a:t>
+                      </a:r>
                       <a:endParaRPr lang="it-IT" dirty="0"/>
                     </a:p>
                   </a:txBody>
@@ -12071,6 +13057,14 @@
                     <a:bodyPr/>
                     <a:lstStyle/>
                     <a:p>
+                      <a:r>
+                        <a:rPr lang="it-IT" dirty="0"/>
+                        <a:t>Delete the </a:t>
+                      </a:r>
+                      <a:r>
+                        <a:rPr lang="it-IT" dirty="0" err="1"/>
+                        <a:t>cart</a:t>
+                      </a:r>
                       <a:endParaRPr lang="it-IT" dirty="0"/>
                     </a:p>
                   </a:txBody>
@@ -12081,6 +13075,337 @@
                     <a:bodyPr/>
                     <a:lstStyle/>
                     <a:p>
+                      <a:r>
+                        <a:rPr lang="it-IT" dirty="0"/>
+                        <a:t>GET</a:t>
+                      </a:r>
+                    </a:p>
+                  </a:txBody>
+                  <a:tcPr/>
+                </a:tc>
+                <a:tc>
+                  <a:txBody>
+                    <a:bodyPr/>
+                    <a:lstStyle/>
+                    <a:p>
+                      <a:r>
+                        <a:rPr lang="it-IT" dirty="0"/>
+                        <a:t>Invalidate session</a:t>
+                      </a:r>
+                    </a:p>
+                  </a:txBody>
+                  <a:tcPr/>
+                </a:tc>
+                <a:extLst>
+                  <a:ext uri="{0D108BD9-81ED-4DB2-BD59-A6C34878D82A}">
+                    <a16:rowId xmlns:a16="http://schemas.microsoft.com/office/drawing/2014/main" val="653421763"/>
+                  </a:ext>
+                </a:extLst>
+              </a:tr>
+            </a:tbl>
+          </a:graphicData>
+        </a:graphic>
+      </p:graphicFrame>
+    </p:spTree>
+    <p:extLst>
+      <p:ext uri="{BB962C8B-B14F-4D97-AF65-F5344CB8AC3E}">
+        <p14:creationId xmlns:p14="http://schemas.microsoft.com/office/powerpoint/2010/main" val="3207143968"/>
+      </p:ext>
+    </p:extLst>
+  </p:cSld>
+  <p:clrMapOvr>
+    <a:masterClrMapping/>
+  </p:clrMapOvr>
+</p:sld>
+</file>
+
+<file path=ppt/slides/slide38.xml><?xml version="1.0" encoding="utf-8"?>
+<p:sld xmlns:a="http://schemas.openxmlformats.org/drawingml/2006/main" xmlns:r="http://schemas.openxmlformats.org/officeDocument/2006/relationships" xmlns:p="http://schemas.openxmlformats.org/presentationml/2006/main">
+  <p:cSld>
+    <p:spTree>
+      <p:nvGrpSpPr>
+        <p:cNvPr id="1" name=""/>
+        <p:cNvGrpSpPr/>
+        <p:nvPr/>
+      </p:nvGrpSpPr>
+      <p:grpSpPr>
+        <a:xfrm>
+          <a:off x="0" y="0"/>
+          <a:ext cx="0" cy="0"/>
+          <a:chOff x="0" y="0"/>
+          <a:chExt cx="0" cy="0"/>
+        </a:xfrm>
+      </p:grpSpPr>
+      <p:sp>
+        <p:nvSpPr>
+          <p:cNvPr id="2" name="Titolo 1">
+            <a:extLst>
+              <a:ext uri="{FF2B5EF4-FFF2-40B4-BE49-F238E27FC236}">
+                <a16:creationId xmlns:a16="http://schemas.microsoft.com/office/drawing/2014/main" id="{76281365-B6CE-4CE2-BEFA-D0D12DCC6310}"/>
+              </a:ext>
+            </a:extLst>
+          </p:cNvPr>
+          <p:cNvSpPr>
+            <a:spLocks noGrp="1"/>
+          </p:cNvSpPr>
+          <p:nvPr>
+            <p:ph type="title"/>
+          </p:nvPr>
+        </p:nvSpPr>
+        <p:spPr>
+          <a:xfrm>
+            <a:off x="652371" y="466344"/>
+            <a:ext cx="10625229" cy="704089"/>
+          </a:xfrm>
+        </p:spPr>
+        <p:txBody>
+          <a:bodyPr>
+            <a:normAutofit fontScale="90000"/>
+          </a:bodyPr>
+          <a:lstStyle/>
+          <a:p>
+            <a:r>
+              <a:rPr lang="it-IT" dirty="0"/>
+              <a:t>Events &amp; controllers</a:t>
+            </a:r>
+          </a:p>
+        </p:txBody>
+      </p:sp>
+      <p:graphicFrame>
+        <p:nvGraphicFramePr>
+          <p:cNvPr id="4" name="Tabella 4">
+            <a:extLst>
+              <a:ext uri="{FF2B5EF4-FFF2-40B4-BE49-F238E27FC236}">
+                <a16:creationId xmlns:a16="http://schemas.microsoft.com/office/drawing/2014/main" id="{FB571DA4-A4AC-484E-A1BB-8D08DD84A48F}"/>
+              </a:ext>
+            </a:extLst>
+          </p:cNvPr>
+          <p:cNvGraphicFramePr>
+            <a:graphicFrameLocks noGrp="1"/>
+          </p:cNvGraphicFramePr>
+          <p:nvPr>
+            <p:ph idx="1"/>
+            <p:extLst>
+              <p:ext uri="{D42A27DB-BD31-4B8C-83A1-F6EECF244321}">
+                <p14:modId xmlns:p14="http://schemas.microsoft.com/office/powerpoint/2010/main" val="4047678978"/>
+              </p:ext>
+            </p:extLst>
+          </p:nvPr>
+        </p:nvGraphicFramePr>
+        <p:xfrm>
+          <a:off x="657224" y="1341120"/>
+          <a:ext cx="10620376" cy="5245461"/>
+        </p:xfrm>
+        <a:graphic>
+          <a:graphicData uri="http://schemas.openxmlformats.org/drawingml/2006/table">
+            <a:tbl>
+              <a:tblPr firstRow="1" bandRow="1">
+                <a:tableStyleId>{073A0DAA-6AF3-43AB-8588-CEC1D06C72B9}</a:tableStyleId>
+              </a:tblPr>
+              <a:tblGrid>
+                <a:gridCol w="2655094">
+                  <a:extLst>
+                    <a:ext uri="{9D8B030D-6E8A-4147-A177-3AD203B41FA5}">
+                      <a16:colId xmlns:a16="http://schemas.microsoft.com/office/drawing/2014/main" val="3192989572"/>
+                    </a:ext>
+                  </a:extLst>
+                </a:gridCol>
+                <a:gridCol w="2655094">
+                  <a:extLst>
+                    <a:ext uri="{9D8B030D-6E8A-4147-A177-3AD203B41FA5}">
+                      <a16:colId xmlns:a16="http://schemas.microsoft.com/office/drawing/2014/main" val="3685425177"/>
+                    </a:ext>
+                  </a:extLst>
+                </a:gridCol>
+                <a:gridCol w="2655094">
+                  <a:extLst>
+                    <a:ext uri="{9D8B030D-6E8A-4147-A177-3AD203B41FA5}">
+                      <a16:colId xmlns:a16="http://schemas.microsoft.com/office/drawing/2014/main" val="412556516"/>
+                    </a:ext>
+                  </a:extLst>
+                </a:gridCol>
+                <a:gridCol w="2655094">
+                  <a:extLst>
+                    <a:ext uri="{9D8B030D-6E8A-4147-A177-3AD203B41FA5}">
+                      <a16:colId xmlns:a16="http://schemas.microsoft.com/office/drawing/2014/main" val="929452601"/>
+                    </a:ext>
+                  </a:extLst>
+                </a:gridCol>
+              </a:tblGrid>
+              <a:tr h="348384">
+                <a:tc gridSpan="2">
+                  <a:txBody>
+                    <a:bodyPr/>
+                    <a:lstStyle/>
+                    <a:p>
+                      <a:r>
+                        <a:rPr lang="it-IT" dirty="0"/>
+                        <a:t>CLIENT SIDE</a:t>
+                      </a:r>
+                    </a:p>
+                  </a:txBody>
+                  <a:tcPr/>
+                </a:tc>
+                <a:tc hMerge="1">
+                  <a:txBody>
+                    <a:bodyPr/>
+                    <a:lstStyle/>
+                    <a:p>
+                      <a:endParaRPr lang="it-IT"/>
+                    </a:p>
+                  </a:txBody>
+                  <a:tcPr/>
+                </a:tc>
+                <a:tc gridSpan="2">
+                  <a:txBody>
+                    <a:bodyPr/>
+                    <a:lstStyle/>
+                    <a:p>
+                      <a:r>
+                        <a:rPr lang="it-IT" dirty="0"/>
+                        <a:t>SERVER SIDE</a:t>
+                      </a:r>
+                    </a:p>
+                  </a:txBody>
+                  <a:tcPr/>
+                </a:tc>
+                <a:tc hMerge="1">
+                  <a:txBody>
+                    <a:bodyPr/>
+                    <a:lstStyle/>
+                    <a:p>
+                      <a:endParaRPr lang="it-IT"/>
+                    </a:p>
+                  </a:txBody>
+                  <a:tcPr/>
+                </a:tc>
+                <a:extLst>
+                  <a:ext uri="{0D108BD9-81ED-4DB2-BD59-A6C34878D82A}">
+                    <a16:rowId xmlns:a16="http://schemas.microsoft.com/office/drawing/2014/main" val="2871723003"/>
+                  </a:ext>
+                </a:extLst>
+              </a:tr>
+              <a:tr h="348384">
+                <a:tc>
+                  <a:txBody>
+                    <a:bodyPr/>
+                    <a:lstStyle/>
+                    <a:p>
+                      <a:r>
+                        <a:rPr lang="it-IT" dirty="0"/>
+                        <a:t>EVENT</a:t>
+                      </a:r>
+                    </a:p>
+                  </a:txBody>
+                  <a:tcPr>
+                    <a:solidFill>
+                      <a:schemeClr val="tx1">
+                        <a:lumMod val="50000"/>
+                        <a:lumOff val="50000"/>
+                      </a:schemeClr>
+                    </a:solidFill>
+                  </a:tcPr>
+                </a:tc>
+                <a:tc>
+                  <a:txBody>
+                    <a:bodyPr/>
+                    <a:lstStyle/>
+                    <a:p>
+                      <a:r>
+                        <a:rPr lang="it-IT" dirty="0"/>
+                        <a:t>CONTROLLER</a:t>
+                      </a:r>
+                    </a:p>
+                  </a:txBody>
+                  <a:tcPr>
+                    <a:solidFill>
+                      <a:schemeClr val="tx1">
+                        <a:lumMod val="50000"/>
+                        <a:lumOff val="50000"/>
+                      </a:schemeClr>
+                    </a:solidFill>
+                  </a:tcPr>
+                </a:tc>
+                <a:tc>
+                  <a:txBody>
+                    <a:bodyPr/>
+                    <a:lstStyle/>
+                    <a:p>
+                      <a:r>
+                        <a:rPr lang="it-IT" dirty="0"/>
+                        <a:t>EVENT</a:t>
+                      </a:r>
+                    </a:p>
+                  </a:txBody>
+                  <a:tcPr>
+                    <a:solidFill>
+                      <a:schemeClr val="tx1">
+                        <a:lumMod val="50000"/>
+                        <a:lumOff val="50000"/>
+                      </a:schemeClr>
+                    </a:solidFill>
+                  </a:tcPr>
+                </a:tc>
+                <a:tc>
+                  <a:txBody>
+                    <a:bodyPr/>
+                    <a:lstStyle/>
+                    <a:p>
+                      <a:r>
+                        <a:rPr lang="it-IT" dirty="0"/>
+                        <a:t>CONTROLLER</a:t>
+                      </a:r>
+                    </a:p>
+                  </a:txBody>
+                  <a:tcPr>
+                    <a:solidFill>
+                      <a:schemeClr val="tx1">
+                        <a:lumMod val="50000"/>
+                        <a:lumOff val="50000"/>
+                      </a:schemeClr>
+                    </a:solidFill>
+                  </a:tcPr>
+                </a:tc>
+                <a:extLst>
+                  <a:ext uri="{0D108BD9-81ED-4DB2-BD59-A6C34878D82A}">
+                    <a16:rowId xmlns:a16="http://schemas.microsoft.com/office/drawing/2014/main" val="4206063415"/>
+                  </a:ext>
+                </a:extLst>
+              </a:tr>
+              <a:tr h="601321">
+                <a:tc>
+                  <a:txBody>
+                    <a:bodyPr/>
+                    <a:lstStyle/>
+                    <a:p>
+                      <a:r>
+                        <a:rPr lang="it-IT" dirty="0"/>
+                        <a:t>LoginPage.html </a:t>
+                      </a:r>
+                      <a:r>
+                        <a:rPr lang="it-IT" dirty="0">
+                          <a:sym typeface="Wingdings" panose="05000000000000000000" pitchFamily="2" charset="2"/>
+                        </a:rPr>
+                        <a:t> login </a:t>
+                      </a:r>
+                      <a:r>
+                        <a:rPr lang="it-IT" dirty="0" err="1">
+                          <a:sym typeface="Wingdings" panose="05000000000000000000" pitchFamily="2" charset="2"/>
+                        </a:rPr>
+                        <a:t>form</a:t>
+                      </a:r>
+                      <a:r>
+                        <a:rPr lang="it-IT" dirty="0">
+                          <a:sym typeface="Wingdings" panose="05000000000000000000" pitchFamily="2" charset="2"/>
+                        </a:rPr>
+                        <a:t>  </a:t>
+                      </a:r>
+                      <a:r>
+                        <a:rPr lang="it-IT" dirty="0" err="1">
+                          <a:sym typeface="Wingdings" panose="05000000000000000000" pitchFamily="2" charset="2"/>
+                        </a:rPr>
+                        <a:t>Submit</a:t>
+                      </a:r>
                       <a:endParaRPr lang="it-IT" dirty="0"/>
                     </a:p>
                   </a:txBody>
@@ -12091,6 +13416,119 @@
                     <a:bodyPr/>
                     <a:lstStyle/>
                     <a:p>
+                      <a:r>
+                        <a:rPr lang="it-IT" dirty="0" err="1"/>
+                        <a:t>makeCall</a:t>
+                      </a:r>
+                      <a:endParaRPr lang="it-IT" dirty="0"/>
+                    </a:p>
+                  </a:txBody>
+                  <a:tcPr/>
+                </a:tc>
+                <a:tc>
+                  <a:txBody>
+                    <a:bodyPr/>
+                    <a:lstStyle/>
+                    <a:p>
+                      <a:r>
+                        <a:rPr lang="it-IT" dirty="0"/>
+                        <a:t>POST (mail, password)</a:t>
+                      </a:r>
+                    </a:p>
+                  </a:txBody>
+                  <a:tcPr/>
+                </a:tc>
+                <a:tc>
+                  <a:txBody>
+                    <a:bodyPr/>
+                    <a:lstStyle/>
+                    <a:p>
+                      <a:r>
+                        <a:rPr lang="it-IT" dirty="0" err="1"/>
+                        <a:t>CheckLogin</a:t>
+                      </a:r>
+                      <a:endParaRPr lang="it-IT" dirty="0"/>
+                    </a:p>
+                  </a:txBody>
+                  <a:tcPr/>
+                </a:tc>
+                <a:extLst>
+                  <a:ext uri="{0D108BD9-81ED-4DB2-BD59-A6C34878D82A}">
+                    <a16:rowId xmlns:a16="http://schemas.microsoft.com/office/drawing/2014/main" val="2832679421"/>
+                  </a:ext>
+                </a:extLst>
+              </a:tr>
+              <a:tr h="601321">
+                <a:tc>
+                  <a:txBody>
+                    <a:bodyPr/>
+                    <a:lstStyle/>
+                    <a:p>
+                      <a:r>
+                        <a:rPr lang="it-IT" dirty="0"/>
+                        <a:t>Market </a:t>
+                      </a:r>
+                      <a:r>
+                        <a:rPr lang="it-IT" dirty="0">
+                          <a:sym typeface="Wingdings" panose="05000000000000000000" pitchFamily="2" charset="2"/>
+                        </a:rPr>
+                        <a:t> </a:t>
+                      </a:r>
+                      <a:r>
+                        <a:rPr lang="it-IT" dirty="0" err="1">
+                          <a:sym typeface="Wingdings" panose="05000000000000000000" pitchFamily="2" charset="2"/>
+                        </a:rPr>
+                        <a:t>load</a:t>
+                      </a:r>
+                      <a:endParaRPr lang="it-IT" dirty="0"/>
+                    </a:p>
+                  </a:txBody>
+                  <a:tcPr/>
+                </a:tc>
+                <a:tc>
+                  <a:txBody>
+                    <a:bodyPr/>
+                    <a:lstStyle/>
+                    <a:p>
+                      <a:r>
+                        <a:rPr lang="it-IT" dirty="0" err="1"/>
+                        <a:t>PageOrchestrator</a:t>
+                      </a:r>
+                      <a:r>
+                        <a:rPr lang="it-IT" dirty="0"/>
+                        <a:t>, </a:t>
+                      </a:r>
+                      <a:r>
+                        <a:rPr lang="it-IT" dirty="0" err="1"/>
+                        <a:t>VisualizeProduct</a:t>
+                      </a:r>
+                      <a:endParaRPr lang="it-IT" dirty="0"/>
+                    </a:p>
+                  </a:txBody>
+                  <a:tcPr/>
+                </a:tc>
+                <a:tc>
+                  <a:txBody>
+                    <a:bodyPr/>
+                    <a:lstStyle/>
+                    <a:p>
+                      <a:r>
+                        <a:rPr lang="it-IT" dirty="0"/>
+                        <a:t>GET</a:t>
+                      </a:r>
+                    </a:p>
+                  </a:txBody>
+                  <a:tcPr/>
+                </a:tc>
+                <a:tc>
+                  <a:txBody>
+                    <a:bodyPr/>
+                    <a:lstStyle/>
+                    <a:p>
+                      <a:r>
+                        <a:rPr lang="it-IT" dirty="0" err="1"/>
+                        <a:t>GoToHome</a:t>
+                      </a:r>
                       <a:endParaRPr lang="it-IT" dirty="0"/>
                     </a:p>
                   </a:txBody>
@@ -12102,12 +13540,34 @@
                   </a:ext>
                 </a:extLst>
               </a:tr>
-              <a:tr h="370840">
+              <a:tr h="859030">
                 <a:tc>
                   <a:txBody>
                     <a:bodyPr/>
                     <a:lstStyle/>
                     <a:p>
+                      <a:r>
+                        <a:rPr lang="it-IT" dirty="0" err="1"/>
+                        <a:t>Market</a:t>
+                      </a:r>
+                      <a:r>
+                        <a:rPr lang="it-IT" dirty="0" err="1">
+                          <a:sym typeface="Wingdings" panose="05000000000000000000" pitchFamily="2" charset="2"/>
+                        </a:rPr>
+                        <a:t>Search</a:t>
+                      </a:r>
+                      <a:r>
+                        <a:rPr lang="it-IT" dirty="0">
+                          <a:sym typeface="Wingdings" panose="05000000000000000000" pitchFamily="2" charset="2"/>
+                        </a:rPr>
+                        <a:t> </a:t>
+                      </a:r>
+                      <a:r>
+                        <a:rPr lang="it-IT" dirty="0" err="1">
+                          <a:sym typeface="Wingdings" panose="05000000000000000000" pitchFamily="2" charset="2"/>
+                        </a:rPr>
+                        <a:t>formSubmit</a:t>
+                      </a:r>
                       <a:endParaRPr lang="it-IT" dirty="0"/>
                     </a:p>
                   </a:txBody>
@@ -12118,6 +13578,20 @@
                     <a:bodyPr/>
                     <a:lstStyle/>
                     <a:p>
+                      <a:r>
+                        <a:rPr lang="it-IT" dirty="0" err="1"/>
+                        <a:t>SearchForm</a:t>
+                      </a:r>
+                      <a:r>
+                        <a:rPr lang="it-IT" dirty="0"/>
+                        <a:t>,</a:t>
+                      </a:r>
+                    </a:p>
+                    <a:p>
+                      <a:r>
+                        <a:rPr lang="it-IT" dirty="0" err="1"/>
+                        <a:t>VisualizeSearchProduct</a:t>
+                      </a:r>
                       <a:endParaRPr lang="it-IT" dirty="0"/>
                     </a:p>
                   </a:txBody>
@@ -12128,7 +13602,10 @@
                     <a:bodyPr/>
                     <a:lstStyle/>
                     <a:p>
-                      <a:endParaRPr lang="it-IT" dirty="0"/>
+                      <a:r>
+                        <a:rPr lang="it-IT" dirty="0"/>
+                        <a:t>POST(keyword)</a:t>
+                      </a:r>
                     </a:p>
                   </a:txBody>
                   <a:tcPr/>
@@ -12138,6 +13615,10 @@
                     <a:bodyPr/>
                     <a:lstStyle/>
                     <a:p>
+                      <a:r>
+                        <a:rPr lang="it-IT" dirty="0" err="1"/>
+                        <a:t>GoToResults</a:t>
+                      </a:r>
                       <a:endParaRPr lang="it-IT" dirty="0"/>
                     </a:p>
                   </a:txBody>
@@ -12149,12 +13630,34 @@
                   </a:ext>
                 </a:extLst>
               </a:tr>
-              <a:tr h="370840">
+              <a:tr h="601321">
                 <a:tc>
                   <a:txBody>
                     <a:bodyPr/>
                     <a:lstStyle/>
                     <a:p>
+                      <a:r>
+                        <a:rPr lang="it-IT" dirty="0" err="1"/>
+                        <a:t>Market</a:t>
+                      </a:r>
+                      <a:r>
+                        <a:rPr lang="it-IT" dirty="0" err="1">
+                          <a:sym typeface="Wingdings" panose="05000000000000000000" pitchFamily="2" charset="2"/>
+                        </a:rPr>
+                        <a:t>link</a:t>
+                      </a:r>
+                      <a:r>
+                        <a:rPr lang="it-IT" dirty="0">
+                          <a:sym typeface="Wingdings" panose="05000000000000000000" pitchFamily="2" charset="2"/>
+                        </a:rPr>
+                        <a:t> </a:t>
+                      </a:r>
+                      <a:r>
+                        <a:rPr lang="it-IT" dirty="0" err="1">
+                          <a:sym typeface="Wingdings" panose="05000000000000000000" pitchFamily="2" charset="2"/>
+                        </a:rPr>
+                        <a:t>details</a:t>
+                      </a:r>
                       <a:endParaRPr lang="it-IT" dirty="0"/>
                     </a:p>
                   </a:txBody>
@@ -12165,6 +13668,10 @@
                     <a:bodyPr/>
                     <a:lstStyle/>
                     <a:p>
+                      <a:r>
+                        <a:rPr lang="it-IT" dirty="0" err="1"/>
+                        <a:t>VisualizeSearchProduct</a:t>
+                      </a:r>
                       <a:endParaRPr lang="it-IT" dirty="0"/>
                     </a:p>
                   </a:txBody>
@@ -12175,7 +13682,18 @@
                     <a:bodyPr/>
                     <a:lstStyle/>
                     <a:p>
-                      <a:endParaRPr lang="it-IT" dirty="0"/>
+                      <a:r>
+                        <a:rPr lang="it-IT" dirty="0"/>
+                        <a:t>POST(</a:t>
+                      </a:r>
+                      <a:r>
+                        <a:rPr lang="it-IT" dirty="0" err="1"/>
+                        <a:t>productCode</a:t>
+                      </a:r>
+                      <a:r>
+                        <a:rPr lang="it-IT" dirty="0"/>
+                        <a:t>)</a:t>
+                      </a:r>
                     </a:p>
                   </a:txBody>
                   <a:tcPr/>
@@ -12185,6 +13703,10 @@
                     <a:bodyPr/>
                     <a:lstStyle/>
                     <a:p>
+                      <a:r>
+                        <a:rPr lang="it-IT" dirty="0" err="1"/>
+                        <a:t>ProductsDetails</a:t>
+                      </a:r>
                       <a:endParaRPr lang="it-IT" dirty="0"/>
                     </a:p>
                   </a:txBody>
@@ -12196,12 +13718,34 @@
                   </a:ext>
                 </a:extLst>
               </a:tr>
-              <a:tr h="370840">
+              <a:tr h="859030">
                 <a:tc>
                   <a:txBody>
                     <a:bodyPr/>
                     <a:lstStyle/>
                     <a:p>
+                      <a:r>
+                        <a:rPr lang="it-IT" dirty="0" err="1"/>
+                        <a:t>Market</a:t>
+                      </a:r>
+                      <a:r>
+                        <a:rPr lang="it-IT" dirty="0" err="1">
+                          <a:sym typeface="Wingdings" panose="05000000000000000000" pitchFamily="2" charset="2"/>
+                        </a:rPr>
+                        <a:t>mouseover</a:t>
+                      </a:r>
+                      <a:r>
+                        <a:rPr lang="it-IT" dirty="0">
+                          <a:sym typeface="Wingdings" panose="05000000000000000000" pitchFamily="2" charset="2"/>
+                        </a:rPr>
+                        <a:t> </a:t>
+                      </a:r>
+                      <a:r>
+                        <a:rPr lang="it-IT" dirty="0" err="1">
+                          <a:sym typeface="Wingdings" panose="05000000000000000000" pitchFamily="2" charset="2"/>
+                        </a:rPr>
+                        <a:t>details</a:t>
+                      </a:r>
                       <a:endParaRPr lang="it-IT" dirty="0"/>
                     </a:p>
                   </a:txBody>
@@ -12212,6 +13756,10 @@
                     <a:bodyPr/>
                     <a:lstStyle/>
                     <a:p>
+                      <a:r>
+                        <a:rPr lang="it-IT" dirty="0" err="1"/>
+                        <a:t>VisualizeSearchProduct</a:t>
+                      </a:r>
                       <a:endParaRPr lang="it-IT" dirty="0"/>
                     </a:p>
                   </a:txBody>
@@ -12243,12 +13791,46 @@
                   </a:ext>
                 </a:extLst>
               </a:tr>
-              <a:tr h="370840">
+              <a:tr h="601321">
                 <a:tc>
                   <a:txBody>
                     <a:bodyPr/>
                     <a:lstStyle/>
                     <a:p>
+                      <a:r>
+                        <a:rPr lang="it-IT" dirty="0" err="1"/>
+                        <a:t>Market</a:t>
+                      </a:r>
+                      <a:r>
+                        <a:rPr lang="it-IT" dirty="0" err="1">
+                          <a:sym typeface="Wingdings" panose="05000000000000000000" pitchFamily="2" charset="2"/>
+                        </a:rPr>
+                        <a:t>add</a:t>
+                      </a:r>
+                      <a:r>
+                        <a:rPr lang="it-IT" dirty="0">
+                          <a:sym typeface="Wingdings" panose="05000000000000000000" pitchFamily="2" charset="2"/>
+                        </a:rPr>
+                        <a:t> to </a:t>
+                      </a:r>
+                      <a:r>
+                        <a:rPr lang="it-IT" dirty="0" err="1">
+                          <a:sym typeface="Wingdings" panose="05000000000000000000" pitchFamily="2" charset="2"/>
+                        </a:rPr>
+                        <a:t>cart</a:t>
+                      </a:r>
+                      <a:r>
+                        <a:rPr lang="it-IT" dirty="0">
+                          <a:sym typeface="Wingdings" panose="05000000000000000000" pitchFamily="2" charset="2"/>
+                        </a:rPr>
+                        <a:t> </a:t>
+                      </a:r>
+                      <a:r>
+                        <a:rPr lang="it-IT" dirty="0" err="1">
+                          <a:sym typeface="Wingdings" panose="05000000000000000000" pitchFamily="2" charset="2"/>
+                        </a:rPr>
+                        <a:t>buttonSubmit</a:t>
+                      </a:r>
                       <a:endParaRPr lang="it-IT" dirty="0"/>
                     </a:p>
                   </a:txBody>
@@ -12258,6 +13840,23 @@
                   <a:txBody>
                     <a:bodyPr/>
                     <a:lstStyle/>
+                    <a:p>
+                      <a:r>
+                        <a:rPr lang="it-IT" dirty="0" err="1"/>
+                        <a:t>VisualizeSearchProduct</a:t>
+                      </a:r>
+                      <a:r>
+                        <a:rPr lang="it-IT" dirty="0"/>
+                        <a:t>,</a:t>
+                      </a:r>
+                    </a:p>
+                    <a:p>
+                      <a:r>
+                        <a:rPr lang="it-IT" dirty="0" err="1"/>
+                        <a:t>VisualizeCartProduct</a:t>
+                      </a:r>
+                      <a:endParaRPr lang="it-IT" dirty="0"/>
+                    </a:p>
                     <a:p>
                       <a:endParaRPr lang="it-IT" dirty="0"/>
                     </a:p>
@@ -12290,100 +13889,6 @@
                   </a:ext>
                 </a:extLst>
               </a:tr>
-              <a:tr h="370840">
-                <a:tc>
-                  <a:txBody>
-                    <a:bodyPr/>
-                    <a:lstStyle/>
-                    <a:p>
-                      <a:endParaRPr lang="it-IT" dirty="0"/>
-                    </a:p>
-                  </a:txBody>
-                  <a:tcPr/>
-                </a:tc>
-                <a:tc>
-                  <a:txBody>
-                    <a:bodyPr/>
-                    <a:lstStyle/>
-                    <a:p>
-                      <a:endParaRPr lang="it-IT" dirty="0"/>
-                    </a:p>
-                  </a:txBody>
-                  <a:tcPr/>
-                </a:tc>
-                <a:tc>
-                  <a:txBody>
-                    <a:bodyPr/>
-                    <a:lstStyle/>
-                    <a:p>
-                      <a:endParaRPr lang="it-IT" dirty="0"/>
-                    </a:p>
-                  </a:txBody>
-                  <a:tcPr/>
-                </a:tc>
-                <a:tc>
-                  <a:txBody>
-                    <a:bodyPr/>
-                    <a:lstStyle/>
-                    <a:p>
-                      <a:endParaRPr lang="it-IT" dirty="0"/>
-                    </a:p>
-                  </a:txBody>
-                  <a:tcPr/>
-                </a:tc>
-                <a:extLst>
-                  <a:ext uri="{0D108BD9-81ED-4DB2-BD59-A6C34878D82A}">
-                    <a16:rowId xmlns:a16="http://schemas.microsoft.com/office/drawing/2014/main" val="3432965708"/>
-                  </a:ext>
-                </a:extLst>
-              </a:tr>
-              <a:tr h="370840">
-                <a:tc>
-                  <a:txBody>
-                    <a:bodyPr/>
-                    <a:lstStyle/>
-                    <a:p>
-                      <a:endParaRPr lang="it-IT" dirty="0"/>
-                    </a:p>
-                  </a:txBody>
-                  <a:tcPr/>
-                </a:tc>
-                <a:tc>
-                  <a:txBody>
-                    <a:bodyPr/>
-                    <a:lstStyle/>
-                    <a:p>
-                      <a:endParaRPr lang="it-IT" dirty="0"/>
-                    </a:p>
-                  </a:txBody>
-                  <a:tcPr/>
-                </a:tc>
-                <a:tc>
-                  <a:txBody>
-                    <a:bodyPr/>
-                    <a:lstStyle/>
-                    <a:p>
-                      <a:endParaRPr lang="it-IT" dirty="0"/>
-                    </a:p>
-                  </a:txBody>
-                  <a:tcPr/>
-                </a:tc>
-                <a:tc>
-                  <a:txBody>
-                    <a:bodyPr/>
-                    <a:lstStyle/>
-                    <a:p>
-                      <a:endParaRPr lang="it-IT" dirty="0"/>
-                    </a:p>
-                  </a:txBody>
-                  <a:tcPr/>
-                </a:tc>
-                <a:extLst>
-                  <a:ext uri="{0D108BD9-81ED-4DB2-BD59-A6C34878D82A}">
-                    <a16:rowId xmlns:a16="http://schemas.microsoft.com/office/drawing/2014/main" val="1437827103"/>
-                  </a:ext>
-                </a:extLst>
-              </a:tr>
             </a:tbl>
           </a:graphicData>
         </a:graphic>
@@ -12391,7 +13896,7 @@
     </p:spTree>
     <p:extLst>
       <p:ext uri="{BB962C8B-B14F-4D97-AF65-F5344CB8AC3E}">
-        <p14:creationId xmlns:p14="http://schemas.microsoft.com/office/powerpoint/2010/main" val="3811065406"/>
+        <p14:creationId xmlns:p14="http://schemas.microsoft.com/office/powerpoint/2010/main" val="1587321950"/>
       </p:ext>
     </p:extLst>
   </p:cSld>
@@ -12401,7 +13906,7 @@
 </p:sld>
 </file>
 
-<file path=ppt/slides/slide37.xml><?xml version="1.0" encoding="utf-8"?>
+<file path=ppt/slides/slide39.xml><?xml version="1.0" encoding="utf-8"?>
 <p:sld xmlns:a="http://schemas.openxmlformats.org/drawingml/2006/main" xmlns:r="http://schemas.openxmlformats.org/officeDocument/2006/relationships" xmlns:p="http://schemas.openxmlformats.org/presentationml/2006/main">
   <p:cSld>
     <p:spTree>
@@ -12448,7 +13953,7 @@
           <a:p>
             <a:r>
               <a:rPr lang="it-IT" dirty="0"/>
-              <a:t>Events &amp; Actions</a:t>
+              <a:t>Events &amp; Controllers</a:t>
             </a:r>
           </a:p>
         </p:txBody>
@@ -12469,14 +13974,14 @@
             <p:ph idx="1"/>
             <p:extLst>
               <p:ext uri="{D42A27DB-BD31-4B8C-83A1-F6EECF244321}">
-                <p14:modId xmlns:p14="http://schemas.microsoft.com/office/powerpoint/2010/main" val="2174336659"/>
+                <p14:modId xmlns:p14="http://schemas.microsoft.com/office/powerpoint/2010/main" val="2321537631"/>
               </p:ext>
             </p:extLst>
           </p:nvPr>
         </p:nvGraphicFramePr>
         <p:xfrm>
           <a:off x="652463" y="2095500"/>
-          <a:ext cx="10620376" cy="3708400"/>
+          <a:ext cx="10620376" cy="1752600"/>
         </p:xfrm>
         <a:graphic>
           <a:graphicData uri="http://schemas.openxmlformats.org/drawingml/2006/table">
@@ -12595,7 +14100,7 @@
                     <a:p>
                       <a:r>
                         <a:rPr lang="it-IT" dirty="0"/>
-                        <a:t>ACTION</a:t>
+                        <a:t>CONTROLLER</a:t>
                       </a:r>
                     </a:p>
                   </a:txBody>
@@ -12635,7 +14140,7 @@
                     <a:p>
                       <a:r>
                         <a:rPr lang="it-IT" dirty="0"/>
-                        <a:t>ACTION</a:t>
+                        <a:t>CONTROLLER</a:t>
                       </a:r>
                     </a:p>
                   </a:txBody>
@@ -12660,6 +14165,46 @@
                     <a:bodyPr/>
                     <a:lstStyle/>
                     <a:p>
+                      <a:r>
+                        <a:rPr lang="it-IT" dirty="0"/>
+                        <a:t>Market</a:t>
+                      </a:r>
+                      <a:r>
+                        <a:rPr lang="it-IT" dirty="0">
+                          <a:sym typeface="Wingdings" panose="05000000000000000000" pitchFamily="2" charset="2"/>
+                        </a:rPr>
+                        <a:t> </a:t>
+                      </a:r>
+                      <a:r>
+                        <a:rPr lang="it-IT" dirty="0" err="1">
+                          <a:sym typeface="Wingdings" panose="05000000000000000000" pitchFamily="2" charset="2"/>
+                        </a:rPr>
+                        <a:t>add</a:t>
+                      </a:r>
+                      <a:r>
+                        <a:rPr lang="it-IT" dirty="0">
+                          <a:sym typeface="Wingdings" panose="05000000000000000000" pitchFamily="2" charset="2"/>
+                        </a:rPr>
+                        <a:t> to </a:t>
+                      </a:r>
+                      <a:r>
+                        <a:rPr lang="it-IT" dirty="0" err="1">
+                          <a:sym typeface="Wingdings" panose="05000000000000000000" pitchFamily="2" charset="2"/>
+                        </a:rPr>
+                        <a:t>order</a:t>
+                      </a:r>
+                      <a:r>
+                        <a:rPr lang="it-IT" dirty="0">
+                          <a:sym typeface="Wingdings" panose="05000000000000000000" pitchFamily="2" charset="2"/>
+                        </a:rPr>
+                        <a:t> </a:t>
+                      </a:r>
+                      <a:r>
+                        <a:rPr lang="it-IT" dirty="0" err="1">
+                          <a:sym typeface="Wingdings" panose="05000000000000000000" pitchFamily="2" charset="2"/>
+                        </a:rPr>
+                        <a:t>buttonSubmit</a:t>
+                      </a:r>
                       <a:endParaRPr lang="it-IT" dirty="0"/>
                     </a:p>
                   </a:txBody>
@@ -12670,6 +14215,20 @@
                     <a:bodyPr/>
                     <a:lstStyle/>
                     <a:p>
+                      <a:r>
+                        <a:rPr lang="it-IT" dirty="0" err="1"/>
+                        <a:t>VisualizeCartProduct</a:t>
+                      </a:r>
+                      <a:r>
+                        <a:rPr lang="it-IT" dirty="0"/>
+                        <a:t>,</a:t>
+                      </a:r>
+                    </a:p>
+                    <a:p>
+                      <a:r>
+                        <a:rPr lang="it-IT" dirty="0" err="1"/>
+                        <a:t>VisualizeOrderProduct</a:t>
+                      </a:r>
                       <a:endParaRPr lang="it-IT" dirty="0"/>
                     </a:p>
                   </a:txBody>
@@ -12680,7 +14239,18 @@
                     <a:bodyPr/>
                     <a:lstStyle/>
                     <a:p>
-                      <a:endParaRPr lang="it-IT" dirty="0"/>
+                      <a:r>
+                        <a:rPr lang="it-IT" dirty="0"/>
+                        <a:t>POST(</a:t>
+                      </a:r>
+                      <a:r>
+                        <a:rPr lang="it-IT" dirty="0" err="1"/>
+                        <a:t>cartSupplier</a:t>
+                      </a:r>
+                      <a:r>
+                        <a:rPr lang="it-IT" dirty="0"/>
+                        <a:t>)</a:t>
+                      </a:r>
                     </a:p>
                   </a:txBody>
                   <a:tcPr/>
@@ -12690,6 +14260,16 @@
                     <a:bodyPr/>
                     <a:lstStyle/>
                     <a:p>
+                      <a:r>
+                        <a:rPr lang="it-IT" dirty="0"/>
+                        <a:t>Create Order</a:t>
+                      </a:r>
+                    </a:p>
+                    <a:p>
+                      <a:r>
+                        <a:rPr lang="it-IT" dirty="0" err="1"/>
+                        <a:t>GoToOrder</a:t>
+                      </a:r>
                       <a:endParaRPr lang="it-IT" dirty="0"/>
                     </a:p>
                   </a:txBody>
@@ -12707,6 +14287,28 @@
                     <a:bodyPr/>
                     <a:lstStyle/>
                     <a:p>
+                      <a:r>
+                        <a:rPr lang="it-IT" dirty="0" err="1"/>
+                        <a:t>Market</a:t>
+                      </a:r>
+                      <a:r>
+                        <a:rPr lang="it-IT" dirty="0" err="1">
+                          <a:sym typeface="Wingdings" panose="05000000000000000000" pitchFamily="2" charset="2"/>
+                        </a:rPr>
+                        <a:t>link</a:t>
+                      </a:r>
+                      <a:r>
+                        <a:rPr lang="it-IT" dirty="0">
+                          <a:sym typeface="Wingdings" panose="05000000000000000000" pitchFamily="2" charset="2"/>
+                        </a:rPr>
+                        <a:t> </a:t>
+                      </a:r>
+                      <a:r>
+                        <a:rPr lang="it-IT" dirty="0" err="1">
+                          <a:sym typeface="Wingdings" panose="05000000000000000000" pitchFamily="2" charset="2"/>
+                        </a:rPr>
+                        <a:t>Logout</a:t>
+                      </a:r>
                       <a:endParaRPr lang="it-IT" dirty="0"/>
                     </a:p>
                   </a:txBody>
@@ -12717,6 +14319,10 @@
                     <a:bodyPr/>
                     <a:lstStyle/>
                     <a:p>
+                      <a:r>
+                        <a:rPr lang="it-IT" dirty="0" err="1"/>
+                        <a:t>PageOrchestrator</a:t>
+                      </a:r>
                       <a:endParaRPr lang="it-IT" dirty="0"/>
                     </a:p>
                   </a:txBody>
@@ -12727,7 +14333,10 @@
                     <a:bodyPr/>
                     <a:lstStyle/>
                     <a:p>
-                      <a:endParaRPr lang="it-IT" dirty="0"/>
+                      <a:r>
+                        <a:rPr lang="it-IT" dirty="0"/>
+                        <a:t>GET</a:t>
+                      </a:r>
                     </a:p>
                   </a:txBody>
                   <a:tcPr/>
@@ -12737,6 +14346,10 @@
                     <a:bodyPr/>
                     <a:lstStyle/>
                     <a:p>
+                      <a:r>
+                        <a:rPr lang="it-IT" dirty="0" err="1"/>
+                        <a:t>Logout</a:t>
+                      </a:r>
                       <a:endParaRPr lang="it-IT" dirty="0"/>
                     </a:p>
                   </a:txBody>
@@ -12748,288 +14361,6 @@
                   </a:ext>
                 </a:extLst>
               </a:tr>
-              <a:tr h="370840">
-                <a:tc>
-                  <a:txBody>
-                    <a:bodyPr/>
-                    <a:lstStyle/>
-                    <a:p>
-                      <a:endParaRPr lang="it-IT" dirty="0"/>
-                    </a:p>
-                  </a:txBody>
-                  <a:tcPr/>
-                </a:tc>
-                <a:tc>
-                  <a:txBody>
-                    <a:bodyPr/>
-                    <a:lstStyle/>
-                    <a:p>
-                      <a:endParaRPr lang="it-IT" dirty="0"/>
-                    </a:p>
-                  </a:txBody>
-                  <a:tcPr/>
-                </a:tc>
-                <a:tc>
-                  <a:txBody>
-                    <a:bodyPr/>
-                    <a:lstStyle/>
-                    <a:p>
-                      <a:endParaRPr lang="it-IT" dirty="0"/>
-                    </a:p>
-                  </a:txBody>
-                  <a:tcPr/>
-                </a:tc>
-                <a:tc>
-                  <a:txBody>
-                    <a:bodyPr/>
-                    <a:lstStyle/>
-                    <a:p>
-                      <a:endParaRPr lang="it-IT" dirty="0"/>
-                    </a:p>
-                  </a:txBody>
-                  <a:tcPr/>
-                </a:tc>
-                <a:extLst>
-                  <a:ext uri="{0D108BD9-81ED-4DB2-BD59-A6C34878D82A}">
-                    <a16:rowId xmlns:a16="http://schemas.microsoft.com/office/drawing/2014/main" val="2874445085"/>
-                  </a:ext>
-                </a:extLst>
-              </a:tr>
-              <a:tr h="370840">
-                <a:tc>
-                  <a:txBody>
-                    <a:bodyPr/>
-                    <a:lstStyle/>
-                    <a:p>
-                      <a:endParaRPr lang="it-IT" dirty="0"/>
-                    </a:p>
-                  </a:txBody>
-                  <a:tcPr/>
-                </a:tc>
-                <a:tc>
-                  <a:txBody>
-                    <a:bodyPr/>
-                    <a:lstStyle/>
-                    <a:p>
-                      <a:endParaRPr lang="it-IT" dirty="0"/>
-                    </a:p>
-                  </a:txBody>
-                  <a:tcPr/>
-                </a:tc>
-                <a:tc>
-                  <a:txBody>
-                    <a:bodyPr/>
-                    <a:lstStyle/>
-                    <a:p>
-                      <a:endParaRPr lang="it-IT" dirty="0"/>
-                    </a:p>
-                  </a:txBody>
-                  <a:tcPr/>
-                </a:tc>
-                <a:tc>
-                  <a:txBody>
-                    <a:bodyPr/>
-                    <a:lstStyle/>
-                    <a:p>
-                      <a:endParaRPr lang="it-IT" dirty="0"/>
-                    </a:p>
-                  </a:txBody>
-                  <a:tcPr/>
-                </a:tc>
-                <a:extLst>
-                  <a:ext uri="{0D108BD9-81ED-4DB2-BD59-A6C34878D82A}">
-                    <a16:rowId xmlns:a16="http://schemas.microsoft.com/office/drawing/2014/main" val="1963645017"/>
-                  </a:ext>
-                </a:extLst>
-              </a:tr>
-              <a:tr h="370840">
-                <a:tc>
-                  <a:txBody>
-                    <a:bodyPr/>
-                    <a:lstStyle/>
-                    <a:p>
-                      <a:endParaRPr lang="it-IT" dirty="0"/>
-                    </a:p>
-                  </a:txBody>
-                  <a:tcPr/>
-                </a:tc>
-                <a:tc>
-                  <a:txBody>
-                    <a:bodyPr/>
-                    <a:lstStyle/>
-                    <a:p>
-                      <a:endParaRPr lang="it-IT" dirty="0"/>
-                    </a:p>
-                  </a:txBody>
-                  <a:tcPr/>
-                </a:tc>
-                <a:tc>
-                  <a:txBody>
-                    <a:bodyPr/>
-                    <a:lstStyle/>
-                    <a:p>
-                      <a:endParaRPr lang="it-IT" dirty="0"/>
-                    </a:p>
-                  </a:txBody>
-                  <a:tcPr/>
-                </a:tc>
-                <a:tc>
-                  <a:txBody>
-                    <a:bodyPr/>
-                    <a:lstStyle/>
-                    <a:p>
-                      <a:endParaRPr lang="it-IT" dirty="0"/>
-                    </a:p>
-                  </a:txBody>
-                  <a:tcPr/>
-                </a:tc>
-                <a:extLst>
-                  <a:ext uri="{0D108BD9-81ED-4DB2-BD59-A6C34878D82A}">
-                    <a16:rowId xmlns:a16="http://schemas.microsoft.com/office/drawing/2014/main" val="2707391907"/>
-                  </a:ext>
-                </a:extLst>
-              </a:tr>
-              <a:tr h="370840">
-                <a:tc>
-                  <a:txBody>
-                    <a:bodyPr/>
-                    <a:lstStyle/>
-                    <a:p>
-                      <a:endParaRPr lang="it-IT" dirty="0"/>
-                    </a:p>
-                  </a:txBody>
-                  <a:tcPr/>
-                </a:tc>
-                <a:tc>
-                  <a:txBody>
-                    <a:bodyPr/>
-                    <a:lstStyle/>
-                    <a:p>
-                      <a:endParaRPr lang="it-IT" dirty="0"/>
-                    </a:p>
-                  </a:txBody>
-                  <a:tcPr/>
-                </a:tc>
-                <a:tc>
-                  <a:txBody>
-                    <a:bodyPr/>
-                    <a:lstStyle/>
-                    <a:p>
-                      <a:endParaRPr lang="it-IT" dirty="0"/>
-                    </a:p>
-                  </a:txBody>
-                  <a:tcPr/>
-                </a:tc>
-                <a:tc>
-                  <a:txBody>
-                    <a:bodyPr/>
-                    <a:lstStyle/>
-                    <a:p>
-                      <a:endParaRPr lang="it-IT" dirty="0"/>
-                    </a:p>
-                  </a:txBody>
-                  <a:tcPr/>
-                </a:tc>
-                <a:extLst>
-                  <a:ext uri="{0D108BD9-81ED-4DB2-BD59-A6C34878D82A}">
-                    <a16:rowId xmlns:a16="http://schemas.microsoft.com/office/drawing/2014/main" val="3036927906"/>
-                  </a:ext>
-                </a:extLst>
-              </a:tr>
-              <a:tr h="370840">
-                <a:tc>
-                  <a:txBody>
-                    <a:bodyPr/>
-                    <a:lstStyle/>
-                    <a:p>
-                      <a:endParaRPr lang="it-IT" dirty="0"/>
-                    </a:p>
-                  </a:txBody>
-                  <a:tcPr/>
-                </a:tc>
-                <a:tc>
-                  <a:txBody>
-                    <a:bodyPr/>
-                    <a:lstStyle/>
-                    <a:p>
-                      <a:endParaRPr lang="it-IT" dirty="0"/>
-                    </a:p>
-                  </a:txBody>
-                  <a:tcPr/>
-                </a:tc>
-                <a:tc>
-                  <a:txBody>
-                    <a:bodyPr/>
-                    <a:lstStyle/>
-                    <a:p>
-                      <a:endParaRPr lang="it-IT" dirty="0"/>
-                    </a:p>
-                  </a:txBody>
-                  <a:tcPr/>
-                </a:tc>
-                <a:tc>
-                  <a:txBody>
-                    <a:bodyPr/>
-                    <a:lstStyle/>
-                    <a:p>
-                      <a:endParaRPr lang="it-IT" dirty="0"/>
-                    </a:p>
-                  </a:txBody>
-                  <a:tcPr/>
-                </a:tc>
-                <a:extLst>
-                  <a:ext uri="{0D108BD9-81ED-4DB2-BD59-A6C34878D82A}">
-                    <a16:rowId xmlns:a16="http://schemas.microsoft.com/office/drawing/2014/main" val="3432965708"/>
-                  </a:ext>
-                </a:extLst>
-              </a:tr>
-              <a:tr h="370840">
-                <a:tc>
-                  <a:txBody>
-                    <a:bodyPr/>
-                    <a:lstStyle/>
-                    <a:p>
-                      <a:endParaRPr lang="it-IT" dirty="0"/>
-                    </a:p>
-                  </a:txBody>
-                  <a:tcPr/>
-                </a:tc>
-                <a:tc>
-                  <a:txBody>
-                    <a:bodyPr/>
-                    <a:lstStyle/>
-                    <a:p>
-                      <a:endParaRPr lang="it-IT" dirty="0"/>
-                    </a:p>
-                  </a:txBody>
-                  <a:tcPr/>
-                </a:tc>
-                <a:tc>
-                  <a:txBody>
-                    <a:bodyPr/>
-                    <a:lstStyle/>
-                    <a:p>
-                      <a:endParaRPr lang="it-IT" dirty="0"/>
-                    </a:p>
-                  </a:txBody>
-                  <a:tcPr/>
-                </a:tc>
-                <a:tc>
-                  <a:txBody>
-                    <a:bodyPr/>
-                    <a:lstStyle/>
-                    <a:p>
-                      <a:endParaRPr lang="it-IT" dirty="0"/>
-                    </a:p>
-                  </a:txBody>
-                  <a:tcPr/>
-                </a:tc>
-                <a:extLst>
-                  <a:ext uri="{0D108BD9-81ED-4DB2-BD59-A6C34878D82A}">
-                    <a16:rowId xmlns:a16="http://schemas.microsoft.com/office/drawing/2014/main" val="1437827103"/>
-                  </a:ext>
-                </a:extLst>
-              </a:tr>
             </a:tbl>
           </a:graphicData>
         </a:graphic>
@@ -13037,521 +14368,7 @@
     </p:spTree>
     <p:extLst>
       <p:ext uri="{BB962C8B-B14F-4D97-AF65-F5344CB8AC3E}">
-        <p14:creationId xmlns:p14="http://schemas.microsoft.com/office/powerpoint/2010/main" val="3207143968"/>
-      </p:ext>
-    </p:extLst>
-  </p:cSld>
-  <p:clrMapOvr>
-    <a:masterClrMapping/>
-  </p:clrMapOvr>
-</p:sld>
-</file>
-
-<file path=ppt/slides/slide38.xml><?xml version="1.0" encoding="utf-8"?>
-<p:sld xmlns:a="http://schemas.openxmlformats.org/drawingml/2006/main" xmlns:r="http://schemas.openxmlformats.org/officeDocument/2006/relationships" xmlns:p="http://schemas.openxmlformats.org/presentationml/2006/main">
-  <p:cSld>
-    <p:spTree>
-      <p:nvGrpSpPr>
-        <p:cNvPr id="1" name=""/>
-        <p:cNvGrpSpPr/>
-        <p:nvPr/>
-      </p:nvGrpSpPr>
-      <p:grpSpPr>
-        <a:xfrm>
-          <a:off x="0" y="0"/>
-          <a:ext cx="0" cy="0"/>
-          <a:chOff x="0" y="0"/>
-          <a:chExt cx="0" cy="0"/>
-        </a:xfrm>
-      </p:grpSpPr>
-      <p:sp>
-        <p:nvSpPr>
-          <p:cNvPr id="2" name="Titolo 1">
-            <a:extLst>
-              <a:ext uri="{FF2B5EF4-FFF2-40B4-BE49-F238E27FC236}">
-                <a16:creationId xmlns:a16="http://schemas.microsoft.com/office/drawing/2014/main" id="{82B2555F-764F-49F9-B5C6-F240376F4C6B}"/>
-              </a:ext>
-            </a:extLst>
-          </p:cNvPr>
-          <p:cNvSpPr>
-            <a:spLocks noGrp="1"/>
-          </p:cNvSpPr>
-          <p:nvPr>
-            <p:ph type="ctrTitle"/>
-          </p:nvPr>
-        </p:nvSpPr>
-        <p:spPr>
-          <a:xfrm>
-            <a:off x="7296150" y="1571811"/>
-            <a:ext cx="3981450" cy="2539251"/>
-          </a:xfrm>
-        </p:spPr>
-        <p:txBody>
-          <a:bodyPr>
-            <a:normAutofit/>
-          </a:bodyPr>
-          <a:lstStyle/>
-          <a:p>
-            <a:r>
-              <a:rPr lang="it-IT"/>
-              <a:t>lOGIN</a:t>
-            </a:r>
-            <a:endParaRPr lang="it-IT" dirty="0"/>
-          </a:p>
-        </p:txBody>
-      </p:sp>
-      <p:sp>
-        <p:nvSpPr>
-          <p:cNvPr id="10" name="Subtitle 2">
-            <a:extLst>
-              <a:ext uri="{FF2B5EF4-FFF2-40B4-BE49-F238E27FC236}">
-                <a16:creationId xmlns:a16="http://schemas.microsoft.com/office/drawing/2014/main" id="{74721122-89F8-4D30-96AD-AD3C42036C47}"/>
-              </a:ext>
-            </a:extLst>
-          </p:cNvPr>
-          <p:cNvSpPr>
-            <a:spLocks noGrp="1"/>
-          </p:cNvSpPr>
-          <p:nvPr>
-            <p:ph type="subTitle" idx="1"/>
-          </p:nvPr>
-        </p:nvSpPr>
-        <p:spPr>
-          <a:xfrm>
-            <a:off x="7296150" y="4423790"/>
-            <a:ext cx="3981449" cy="996119"/>
-          </a:xfrm>
-        </p:spPr>
-        <p:txBody>
-          <a:bodyPr/>
-          <a:lstStyle/>
-          <a:p>
-            <a:endParaRPr lang="en-US" dirty="0"/>
-          </a:p>
-        </p:txBody>
-      </p:sp>
-      <p:pic>
-        <p:nvPicPr>
-          <p:cNvPr id="5" name="Segnaposto contenuto 4">
-            <a:extLst>
-              <a:ext uri="{FF2B5EF4-FFF2-40B4-BE49-F238E27FC236}">
-                <a16:creationId xmlns:a16="http://schemas.microsoft.com/office/drawing/2014/main" id="{B92BDB31-D6AD-4077-B6CF-BEF79462E796}"/>
-              </a:ext>
-            </a:extLst>
-          </p:cNvPr>
-          <p:cNvPicPr>
-            <a:picLocks noGrp="1" noChangeAspect="1"/>
-          </p:cNvPicPr>
-          <p:nvPr>
-            <p:ph idx="4294967295"/>
-          </p:nvPr>
-        </p:nvPicPr>
-        <p:blipFill>
-          <a:blip r:embed="rId2">
-            <a:extLst>
-              <a:ext uri="{28A0092B-C50C-407E-A947-70E740481C1C}">
-                <a14:useLocalDpi xmlns:a14="http://schemas.microsoft.com/office/drawing/2010/main" val="0"/>
-              </a:ext>
-            </a:extLst>
-          </a:blip>
-          <a:srcRect/>
-          <a:stretch/>
-        </p:blipFill>
-        <p:spPr>
-          <a:xfrm>
-            <a:off x="1357055" y="116902"/>
-            <a:ext cx="5048544" cy="6299472"/>
-          </a:xfrm>
-          <a:noFill/>
-        </p:spPr>
-      </p:pic>
-      <p:sp>
-        <p:nvSpPr>
-          <p:cNvPr id="12" name="Date Placeholder 3">
-            <a:extLst>
-              <a:ext uri="{FF2B5EF4-FFF2-40B4-BE49-F238E27FC236}">
-                <a16:creationId xmlns:a16="http://schemas.microsoft.com/office/drawing/2014/main" id="{86FBCF00-5BD9-4404-ADD1-79126E752DC6}"/>
-              </a:ext>
-            </a:extLst>
-          </p:cNvPr>
-          <p:cNvSpPr>
-            <a:spLocks noGrp="1"/>
-          </p:cNvSpPr>
-          <p:nvPr>
-            <p:ph type="dt" sz="half" idx="10"/>
-          </p:nvPr>
-        </p:nvSpPr>
-        <p:spPr>
-          <a:xfrm>
-            <a:off x="652371" y="6332538"/>
-            <a:ext cx="3006492" cy="365125"/>
-          </a:xfrm>
-        </p:spPr>
-        <p:txBody>
-          <a:bodyPr/>
-          <a:lstStyle/>
-          <a:p>
-            <a:pPr>
-              <a:spcAft>
-                <a:spcPts val="600"/>
-              </a:spcAft>
-            </a:pPr>
-            <a:fld id="{F7CCFFEB-476C-4C7B-A18E-7186B0DB1D22}" type="datetime1">
-              <a:rPr lang="en-US" smtClean="0"/>
-              <a:pPr>
-                <a:spcAft>
-                  <a:spcPts val="600"/>
-                </a:spcAft>
-              </a:pPr>
-              <a:t>7/31/2023</a:t>
-            </a:fld>
-            <a:endParaRPr lang="en-US" dirty="0"/>
-          </a:p>
-        </p:txBody>
-      </p:sp>
-      <p:sp>
-        <p:nvSpPr>
-          <p:cNvPr id="14" name="Footer Placeholder 4">
-            <a:extLst>
-              <a:ext uri="{FF2B5EF4-FFF2-40B4-BE49-F238E27FC236}">
-                <a16:creationId xmlns:a16="http://schemas.microsoft.com/office/drawing/2014/main" id="{97F641BA-3926-409B-86FB-4880BC454A47}"/>
-              </a:ext>
-            </a:extLst>
-          </p:cNvPr>
-          <p:cNvSpPr>
-            <a:spLocks noGrp="1"/>
-          </p:cNvSpPr>
-          <p:nvPr>
-            <p:ph type="ftr" sz="quarter" idx="11"/>
-          </p:nvPr>
-        </p:nvSpPr>
-        <p:spPr>
-          <a:xfrm>
-            <a:off x="8034169" y="6332538"/>
-            <a:ext cx="3505459" cy="365125"/>
-          </a:xfrm>
-        </p:spPr>
-        <p:txBody>
-          <a:bodyPr/>
-          <a:lstStyle/>
-          <a:p>
-            <a:pPr>
-              <a:spcAft>
-                <a:spcPts val="600"/>
-              </a:spcAft>
-            </a:pPr>
-            <a:r>
-              <a:rPr lang="en-US"/>
-              <a:t>Sample Footer Text</a:t>
-            </a:r>
-          </a:p>
-        </p:txBody>
-      </p:sp>
-      <p:sp>
-        <p:nvSpPr>
-          <p:cNvPr id="16" name="Slide Number Placeholder 5">
-            <a:extLst>
-              <a:ext uri="{FF2B5EF4-FFF2-40B4-BE49-F238E27FC236}">
-                <a16:creationId xmlns:a16="http://schemas.microsoft.com/office/drawing/2014/main" id="{56521AEE-F472-4ED9-82B3-4E0791BB0CA3}"/>
-              </a:ext>
-            </a:extLst>
-          </p:cNvPr>
-          <p:cNvSpPr>
-            <a:spLocks noGrp="1"/>
-          </p:cNvSpPr>
-          <p:nvPr>
-            <p:ph type="sldNum" sz="quarter" idx="12"/>
-          </p:nvPr>
-        </p:nvSpPr>
-        <p:spPr>
-          <a:xfrm>
-            <a:off x="11444747" y="6332538"/>
-            <a:ext cx="539808" cy="365125"/>
-          </a:xfrm>
-        </p:spPr>
-        <p:txBody>
-          <a:bodyPr/>
-          <a:lstStyle/>
-          <a:p>
-            <a:pPr>
-              <a:spcAft>
-                <a:spcPts val="600"/>
-              </a:spcAft>
-            </a:pPr>
-            <a:fld id="{45C5C030-0550-4584-9C82-E35DF7DBC581}" type="slidenum">
-              <a:rPr lang="en-US" smtClean="0"/>
-              <a:pPr>
-                <a:spcAft>
-                  <a:spcPts val="600"/>
-                </a:spcAft>
-              </a:pPr>
-              <a:t>38</a:t>
-            </a:fld>
-            <a:endParaRPr lang="en-US"/>
-          </a:p>
-        </p:txBody>
-      </p:sp>
-    </p:spTree>
-    <p:extLst>
-      <p:ext uri="{BB962C8B-B14F-4D97-AF65-F5344CB8AC3E}">
-        <p14:creationId xmlns:p14="http://schemas.microsoft.com/office/powerpoint/2010/main" val="4221801427"/>
-      </p:ext>
-    </p:extLst>
-  </p:cSld>
-  <p:clrMapOvr>
-    <a:masterClrMapping/>
-  </p:clrMapOvr>
-</p:sld>
-</file>
-
-<file path=ppt/slides/slide39.xml><?xml version="1.0" encoding="utf-8"?>
-<p:sld xmlns:a="http://schemas.openxmlformats.org/drawingml/2006/main" xmlns:r="http://schemas.openxmlformats.org/officeDocument/2006/relationships" xmlns:p="http://schemas.openxmlformats.org/presentationml/2006/main">
-  <p:cSld>
-    <p:spTree>
-      <p:nvGrpSpPr>
-        <p:cNvPr id="1" name=""/>
-        <p:cNvGrpSpPr/>
-        <p:nvPr/>
-      </p:nvGrpSpPr>
-      <p:grpSpPr>
-        <a:xfrm>
-          <a:off x="0" y="0"/>
-          <a:ext cx="0" cy="0"/>
-          <a:chOff x="0" y="0"/>
-          <a:chExt cx="0" cy="0"/>
-        </a:xfrm>
-      </p:grpSpPr>
-      <p:sp>
-        <p:nvSpPr>
-          <p:cNvPr id="2" name="Titolo 1">
-            <a:extLst>
-              <a:ext uri="{FF2B5EF4-FFF2-40B4-BE49-F238E27FC236}">
-                <a16:creationId xmlns:a16="http://schemas.microsoft.com/office/drawing/2014/main" id="{82B2555F-764F-49F9-B5C6-F240376F4C6B}"/>
-              </a:ext>
-            </a:extLst>
-          </p:cNvPr>
-          <p:cNvSpPr>
-            <a:spLocks noGrp="1"/>
-          </p:cNvSpPr>
-          <p:nvPr>
-            <p:ph type="ctrTitle"/>
-          </p:nvPr>
-        </p:nvSpPr>
-        <p:spPr>
-          <a:xfrm>
-            <a:off x="6923576" y="1562100"/>
-            <a:ext cx="4791075" cy="2447739"/>
-          </a:xfrm>
-        </p:spPr>
-        <p:txBody>
-          <a:bodyPr>
-            <a:normAutofit/>
-          </a:bodyPr>
-          <a:lstStyle/>
-          <a:p>
-            <a:r>
-              <a:rPr lang="it-IT" dirty="0" err="1"/>
-              <a:t>pageORCHESTRATOR</a:t>
-            </a:r>
-            <a:endParaRPr lang="it-IT" dirty="0"/>
-          </a:p>
-        </p:txBody>
-      </p:sp>
-      <p:sp>
-        <p:nvSpPr>
-          <p:cNvPr id="10" name="Subtitle 2">
-            <a:extLst>
-              <a:ext uri="{FF2B5EF4-FFF2-40B4-BE49-F238E27FC236}">
-                <a16:creationId xmlns:a16="http://schemas.microsoft.com/office/drawing/2014/main" id="{74721122-89F8-4D30-96AD-AD3C42036C47}"/>
-              </a:ext>
-            </a:extLst>
-          </p:cNvPr>
-          <p:cNvSpPr>
-            <a:spLocks noGrp="1"/>
-          </p:cNvSpPr>
-          <p:nvPr>
-            <p:ph type="subTitle" idx="1"/>
-          </p:nvPr>
-        </p:nvSpPr>
-        <p:spPr>
-          <a:xfrm>
-            <a:off x="7296150" y="4423790"/>
-            <a:ext cx="3981449" cy="996119"/>
-          </a:xfrm>
-        </p:spPr>
-        <p:txBody>
-          <a:bodyPr/>
-          <a:lstStyle/>
-          <a:p>
-            <a:endParaRPr lang="en-US" dirty="0"/>
-          </a:p>
-        </p:txBody>
-      </p:sp>
-      <p:pic>
-        <p:nvPicPr>
-          <p:cNvPr id="5" name="Segnaposto contenuto 4">
-            <a:extLst>
-              <a:ext uri="{FF2B5EF4-FFF2-40B4-BE49-F238E27FC236}">
-                <a16:creationId xmlns:a16="http://schemas.microsoft.com/office/drawing/2014/main" id="{B92BDB31-D6AD-4077-B6CF-BEF79462E796}"/>
-              </a:ext>
-            </a:extLst>
-          </p:cNvPr>
-          <p:cNvPicPr>
-            <a:picLocks noGrp="1" noChangeAspect="1"/>
-          </p:cNvPicPr>
-          <p:nvPr>
-            <p:ph idx="4294967295"/>
-          </p:nvPr>
-        </p:nvPicPr>
-        <p:blipFill>
-          <a:blip r:embed="rId2">
-            <a:extLst>
-              <a:ext uri="{28A0092B-C50C-407E-A947-70E740481C1C}">
-                <a14:useLocalDpi xmlns:a14="http://schemas.microsoft.com/office/drawing/2010/main" val="0"/>
-              </a:ext>
-            </a:extLst>
-          </a:blip>
-          <a:srcRect/>
-          <a:stretch/>
-        </p:blipFill>
-        <p:spPr>
-          <a:xfrm>
-            <a:off x="605063" y="985028"/>
-            <a:ext cx="6398866" cy="4310872"/>
-          </a:xfrm>
-          <a:noFill/>
-        </p:spPr>
-      </p:pic>
-      <p:sp>
-        <p:nvSpPr>
-          <p:cNvPr id="12" name="Date Placeholder 3">
-            <a:extLst>
-              <a:ext uri="{FF2B5EF4-FFF2-40B4-BE49-F238E27FC236}">
-                <a16:creationId xmlns:a16="http://schemas.microsoft.com/office/drawing/2014/main" id="{86FBCF00-5BD9-4404-ADD1-79126E752DC6}"/>
-              </a:ext>
-            </a:extLst>
-          </p:cNvPr>
-          <p:cNvSpPr>
-            <a:spLocks noGrp="1"/>
-          </p:cNvSpPr>
-          <p:nvPr>
-            <p:ph type="dt" sz="half" idx="10"/>
-          </p:nvPr>
-        </p:nvSpPr>
-        <p:spPr>
-          <a:xfrm>
-            <a:off x="652371" y="6332538"/>
-            <a:ext cx="3006492" cy="365125"/>
-          </a:xfrm>
-        </p:spPr>
-        <p:txBody>
-          <a:bodyPr/>
-          <a:lstStyle/>
-          <a:p>
-            <a:pPr>
-              <a:spcAft>
-                <a:spcPts val="600"/>
-              </a:spcAft>
-            </a:pPr>
-            <a:fld id="{F7CCFFEB-476C-4C7B-A18E-7186B0DB1D22}" type="datetime1">
-              <a:rPr lang="en-US" smtClean="0"/>
-              <a:pPr>
-                <a:spcAft>
-                  <a:spcPts val="600"/>
-                </a:spcAft>
-              </a:pPr>
-              <a:t>7/31/2023</a:t>
-            </a:fld>
-            <a:endParaRPr lang="en-US" dirty="0"/>
-          </a:p>
-        </p:txBody>
-      </p:sp>
-      <p:sp>
-        <p:nvSpPr>
-          <p:cNvPr id="14" name="Footer Placeholder 4">
-            <a:extLst>
-              <a:ext uri="{FF2B5EF4-FFF2-40B4-BE49-F238E27FC236}">
-                <a16:creationId xmlns:a16="http://schemas.microsoft.com/office/drawing/2014/main" id="{97F641BA-3926-409B-86FB-4880BC454A47}"/>
-              </a:ext>
-            </a:extLst>
-          </p:cNvPr>
-          <p:cNvSpPr>
-            <a:spLocks noGrp="1"/>
-          </p:cNvSpPr>
-          <p:nvPr>
-            <p:ph type="ftr" sz="quarter" idx="11"/>
-          </p:nvPr>
-        </p:nvSpPr>
-        <p:spPr>
-          <a:xfrm>
-            <a:off x="8034169" y="6332538"/>
-            <a:ext cx="3505459" cy="365125"/>
-          </a:xfrm>
-        </p:spPr>
-        <p:txBody>
-          <a:bodyPr/>
-          <a:lstStyle/>
-          <a:p>
-            <a:pPr>
-              <a:spcAft>
-                <a:spcPts val="600"/>
-              </a:spcAft>
-            </a:pPr>
-            <a:r>
-              <a:rPr lang="en-US"/>
-              <a:t>Sample Footer Text</a:t>
-            </a:r>
-          </a:p>
-        </p:txBody>
-      </p:sp>
-      <p:sp>
-        <p:nvSpPr>
-          <p:cNvPr id="16" name="Slide Number Placeholder 5">
-            <a:extLst>
-              <a:ext uri="{FF2B5EF4-FFF2-40B4-BE49-F238E27FC236}">
-                <a16:creationId xmlns:a16="http://schemas.microsoft.com/office/drawing/2014/main" id="{56521AEE-F472-4ED9-82B3-4E0791BB0CA3}"/>
-              </a:ext>
-            </a:extLst>
-          </p:cNvPr>
-          <p:cNvSpPr>
-            <a:spLocks noGrp="1"/>
-          </p:cNvSpPr>
-          <p:nvPr>
-            <p:ph type="sldNum" sz="quarter" idx="12"/>
-          </p:nvPr>
-        </p:nvSpPr>
-        <p:spPr>
-          <a:xfrm>
-            <a:off x="11444747" y="6332538"/>
-            <a:ext cx="539808" cy="365125"/>
-          </a:xfrm>
-        </p:spPr>
-        <p:txBody>
-          <a:bodyPr/>
-          <a:lstStyle/>
-          <a:p>
-            <a:pPr>
-              <a:spcAft>
-                <a:spcPts val="600"/>
-              </a:spcAft>
-            </a:pPr>
-            <a:fld id="{45C5C030-0550-4584-9C82-E35DF7DBC581}" type="slidenum">
-              <a:rPr lang="en-US" smtClean="0"/>
-              <a:pPr>
-                <a:spcAft>
-                  <a:spcPts val="600"/>
-                </a:spcAft>
-              </a:pPr>
-              <a:t>39</a:t>
-            </a:fld>
-            <a:endParaRPr lang="en-US"/>
-          </a:p>
-        </p:txBody>
-      </p:sp>
-    </p:spTree>
-    <p:extLst>
-      <p:ext uri="{BB962C8B-B14F-4D97-AF65-F5344CB8AC3E}">
-        <p14:creationId xmlns:p14="http://schemas.microsoft.com/office/powerpoint/2010/main" val="3496300191"/>
+        <p14:creationId xmlns:p14="http://schemas.microsoft.com/office/powerpoint/2010/main" val="351852182"/>
       </p:ext>
     </p:extLst>
   </p:cSld>
@@ -13763,8 +14580,8 @@
         </p:nvSpPr>
         <p:spPr>
           <a:xfrm>
-            <a:off x="6923576" y="1562100"/>
-            <a:ext cx="4791075" cy="2447739"/>
+            <a:off x="7296150" y="1571811"/>
+            <a:ext cx="3981450" cy="2539251"/>
           </a:xfrm>
         </p:spPr>
         <p:txBody>
@@ -13774,9 +14591,10 @@
           <a:lstStyle/>
           <a:p>
             <a:r>
-              <a:rPr lang="it-IT" dirty="0"/>
-              <a:t>Go to home</a:t>
-            </a:r>
+              <a:rPr lang="it-IT"/>
+              <a:t>lOGIN</a:t>
+            </a:r>
+            <a:endParaRPr lang="it-IT" dirty="0"/>
           </a:p>
         </p:txBody>
       </p:sp>
@@ -13839,8 +14657,8 @@
         </p:blipFill>
         <p:spPr>
           <a:xfrm>
-            <a:off x="1128039" y="589348"/>
-            <a:ext cx="5061647" cy="5462407"/>
+            <a:off x="1357055" y="116902"/>
+            <a:ext cx="5048544" cy="6299472"/>
           </a:xfrm>
           <a:noFill/>
         </p:spPr>
@@ -13876,15 +14694,6 @@
                 <a:spcPts val="600"/>
               </a:spcAft>
             </a:pPr>
-            <a:fld id="{F7CCFFEB-476C-4C7B-A18E-7186B0DB1D22}" type="datetime1">
-              <a:rPr lang="en-US" smtClean="0"/>
-              <a:pPr>
-                <a:spcAft>
-                  <a:spcPts val="600"/>
-                </a:spcAft>
-              </a:pPr>
-              <a:t>7/31/2023</a:t>
-            </a:fld>
             <a:endParaRPr lang="en-US" dirty="0"/>
           </a:p>
         </p:txBody>
@@ -13920,10 +14729,7 @@
                 <a:spcPts val="600"/>
               </a:spcAft>
             </a:pPr>
-            <a:r>
-              <a:rPr lang="en-US"/>
-              <a:t>Sample Footer Text</a:t>
-            </a:r>
+            <a:endParaRPr lang="en-US" dirty="0"/>
           </a:p>
         </p:txBody>
       </p:sp>
@@ -13974,7 +14780,7 @@
     </p:spTree>
     <p:extLst>
       <p:ext uri="{BB962C8B-B14F-4D97-AF65-F5344CB8AC3E}">
-        <p14:creationId xmlns:p14="http://schemas.microsoft.com/office/powerpoint/2010/main" val="1622242400"/>
+        <p14:creationId xmlns:p14="http://schemas.microsoft.com/office/powerpoint/2010/main" val="4221801427"/>
       </p:ext>
     </p:extLst>
   </p:cSld>
@@ -14030,12 +14836,8 @@
           <a:lstStyle/>
           <a:p>
             <a:r>
-              <a:rPr lang="it-IT" dirty="0"/>
-              <a:t>Go to </a:t>
-            </a:r>
-            <a:r>
               <a:rPr lang="it-IT" dirty="0" err="1"/>
-              <a:t>results</a:t>
+              <a:t>pageORCHESTRATOR</a:t>
             </a:r>
             <a:endParaRPr lang="it-IT" dirty="0"/>
           </a:p>
@@ -14100,8 +14902,8 @@
         </p:blipFill>
         <p:spPr>
           <a:xfrm>
-            <a:off x="930731" y="534177"/>
-            <a:ext cx="5456264" cy="5552770"/>
+            <a:off x="605063" y="985028"/>
+            <a:ext cx="6398866" cy="4310872"/>
           </a:xfrm>
           <a:noFill/>
         </p:spPr>
@@ -14137,15 +14939,6 @@
                 <a:spcPts val="600"/>
               </a:spcAft>
             </a:pPr>
-            <a:fld id="{F7CCFFEB-476C-4C7B-A18E-7186B0DB1D22}" type="datetime1">
-              <a:rPr lang="en-US" smtClean="0"/>
-              <a:pPr>
-                <a:spcAft>
-                  <a:spcPts val="600"/>
-                </a:spcAft>
-              </a:pPr>
-              <a:t>7/31/2023</a:t>
-            </a:fld>
             <a:endParaRPr lang="en-US" dirty="0"/>
           </a:p>
         </p:txBody>
@@ -14181,10 +14974,7 @@
                 <a:spcPts val="600"/>
               </a:spcAft>
             </a:pPr>
-            <a:r>
-              <a:rPr lang="en-US"/>
-              <a:t>Sample Footer Text</a:t>
-            </a:r>
+            <a:endParaRPr lang="en-US" dirty="0"/>
           </a:p>
         </p:txBody>
       </p:sp>
@@ -14235,7 +15025,7 @@
     </p:spTree>
     <p:extLst>
       <p:ext uri="{BB962C8B-B14F-4D97-AF65-F5344CB8AC3E}">
-        <p14:creationId xmlns:p14="http://schemas.microsoft.com/office/powerpoint/2010/main" val="2627153043"/>
+        <p14:creationId xmlns:p14="http://schemas.microsoft.com/office/powerpoint/2010/main" val="3496300191"/>
       </p:ext>
     </p:extLst>
   </p:cSld>
@@ -14292,13 +15082,8 @@
           <a:p>
             <a:r>
               <a:rPr lang="it-IT" dirty="0"/>
-              <a:t>Product </a:t>
-            </a:r>
-            <a:r>
-              <a:rPr lang="it-IT" dirty="0" err="1"/>
-              <a:t>details</a:t>
-            </a:r>
-            <a:endParaRPr lang="it-IT" dirty="0"/>
+              <a:t>Go to home</a:t>
+            </a:r>
           </a:p>
         </p:txBody>
       </p:sp>
@@ -14361,8 +15146,8 @@
         </p:blipFill>
         <p:spPr>
           <a:xfrm>
-            <a:off x="1061409" y="352561"/>
-            <a:ext cx="5267471" cy="6162539"/>
+            <a:off x="1128039" y="589348"/>
+            <a:ext cx="5061647" cy="5462407"/>
           </a:xfrm>
           <a:noFill/>
         </p:spPr>
@@ -14398,15 +15183,6 @@
                 <a:spcPts val="600"/>
               </a:spcAft>
             </a:pPr>
-            <a:fld id="{F7CCFFEB-476C-4C7B-A18E-7186B0DB1D22}" type="datetime1">
-              <a:rPr lang="en-US" smtClean="0"/>
-              <a:pPr>
-                <a:spcAft>
-                  <a:spcPts val="600"/>
-                </a:spcAft>
-              </a:pPr>
-              <a:t>7/31/2023</a:t>
-            </a:fld>
             <a:endParaRPr lang="en-US" dirty="0"/>
           </a:p>
         </p:txBody>
@@ -14442,10 +15218,7 @@
                 <a:spcPts val="600"/>
               </a:spcAft>
             </a:pPr>
-            <a:r>
-              <a:rPr lang="en-US"/>
-              <a:t>Sample Footer Text</a:t>
-            </a:r>
+            <a:endParaRPr lang="en-US" dirty="0"/>
           </a:p>
         </p:txBody>
       </p:sp>
@@ -14496,7 +15269,7 @@
     </p:spTree>
     <p:extLst>
       <p:ext uri="{BB962C8B-B14F-4D97-AF65-F5344CB8AC3E}">
-        <p14:creationId xmlns:p14="http://schemas.microsoft.com/office/powerpoint/2010/main" val="615263124"/>
+        <p14:creationId xmlns:p14="http://schemas.microsoft.com/office/powerpoint/2010/main" val="1622242400"/>
       </p:ext>
     </p:extLst>
   </p:cSld>
@@ -14553,11 +15326,11 @@
           <a:p>
             <a:r>
               <a:rPr lang="it-IT" dirty="0"/>
-              <a:t>Create </a:t>
+              <a:t>Go to </a:t>
             </a:r>
             <a:r>
               <a:rPr lang="it-IT" dirty="0" err="1"/>
-              <a:t>order</a:t>
+              <a:t>results</a:t>
             </a:r>
             <a:endParaRPr lang="it-IT" dirty="0"/>
           </a:p>
@@ -14622,8 +15395,8 @@
         </p:blipFill>
         <p:spPr>
           <a:xfrm>
-            <a:off x="1143884" y="352561"/>
-            <a:ext cx="5102521" cy="6162539"/>
+            <a:off x="930731" y="534177"/>
+            <a:ext cx="5456264" cy="5552770"/>
           </a:xfrm>
           <a:noFill/>
         </p:spPr>
@@ -14659,15 +15432,6 @@
                 <a:spcPts val="600"/>
               </a:spcAft>
             </a:pPr>
-            <a:fld id="{F7CCFFEB-476C-4C7B-A18E-7186B0DB1D22}" type="datetime1">
-              <a:rPr lang="en-US" smtClean="0"/>
-              <a:pPr>
-                <a:spcAft>
-                  <a:spcPts val="600"/>
-                </a:spcAft>
-              </a:pPr>
-              <a:t>7/31/2023</a:t>
-            </a:fld>
             <a:endParaRPr lang="en-US" dirty="0"/>
           </a:p>
         </p:txBody>
@@ -14703,10 +15467,7 @@
                 <a:spcPts val="600"/>
               </a:spcAft>
             </a:pPr>
-            <a:r>
-              <a:rPr lang="en-US"/>
-              <a:t>Sample Footer Text</a:t>
-            </a:r>
+            <a:endParaRPr lang="en-US" dirty="0"/>
           </a:p>
         </p:txBody>
       </p:sp>
@@ -14757,7 +15518,7 @@
     </p:spTree>
     <p:extLst>
       <p:ext uri="{BB962C8B-B14F-4D97-AF65-F5344CB8AC3E}">
-        <p14:creationId xmlns:p14="http://schemas.microsoft.com/office/powerpoint/2010/main" val="925202144"/>
+        <p14:creationId xmlns:p14="http://schemas.microsoft.com/office/powerpoint/2010/main" val="2627153043"/>
       </p:ext>
     </p:extLst>
   </p:cSld>
@@ -14814,11 +15575,11 @@
           <a:p>
             <a:r>
               <a:rPr lang="it-IT" dirty="0"/>
-              <a:t>Go to </a:t>
+              <a:t>Product </a:t>
             </a:r>
             <a:r>
               <a:rPr lang="it-IT" dirty="0" err="1"/>
-              <a:t>order</a:t>
+              <a:t>details</a:t>
             </a:r>
             <a:endParaRPr lang="it-IT" dirty="0"/>
           </a:p>
@@ -14883,8 +15644,8 @@
         </p:blipFill>
         <p:spPr>
           <a:xfrm>
-            <a:off x="1143884" y="617504"/>
-            <a:ext cx="5102521" cy="5632653"/>
+            <a:off x="1061409" y="352561"/>
+            <a:ext cx="5267471" cy="6162539"/>
           </a:xfrm>
           <a:noFill/>
         </p:spPr>
@@ -14920,15 +15681,6 @@
                 <a:spcPts val="600"/>
               </a:spcAft>
             </a:pPr>
-            <a:fld id="{F7CCFFEB-476C-4C7B-A18E-7186B0DB1D22}" type="datetime1">
-              <a:rPr lang="en-US" smtClean="0"/>
-              <a:pPr>
-                <a:spcAft>
-                  <a:spcPts val="600"/>
-                </a:spcAft>
-              </a:pPr>
-              <a:t>7/31/2023</a:t>
-            </a:fld>
             <a:endParaRPr lang="en-US" dirty="0"/>
           </a:p>
         </p:txBody>
@@ -14964,10 +15716,7 @@
                 <a:spcPts val="600"/>
               </a:spcAft>
             </a:pPr>
-            <a:r>
-              <a:rPr lang="en-US"/>
-              <a:t>Sample Footer Text</a:t>
-            </a:r>
+            <a:endParaRPr lang="en-US" dirty="0"/>
           </a:p>
         </p:txBody>
       </p:sp>
@@ -15018,7 +15767,7 @@
     </p:spTree>
     <p:extLst>
       <p:ext uri="{BB962C8B-B14F-4D97-AF65-F5344CB8AC3E}">
-        <p14:creationId xmlns:p14="http://schemas.microsoft.com/office/powerpoint/2010/main" val="709390705"/>
+        <p14:creationId xmlns:p14="http://schemas.microsoft.com/office/powerpoint/2010/main" val="615263124"/>
       </p:ext>
     </p:extLst>
   </p:cSld>
@@ -15075,8 +15824,13 @@
           <a:p>
             <a:r>
               <a:rPr lang="it-IT" dirty="0"/>
-              <a:t>LOGOUT</a:t>
-            </a:r>
+              <a:t>Create </a:t>
+            </a:r>
+            <a:r>
+              <a:rPr lang="it-IT" dirty="0" err="1"/>
+              <a:t>order</a:t>
+            </a:r>
+            <a:endParaRPr lang="it-IT" dirty="0"/>
           </a:p>
         </p:txBody>
       </p:sp>
@@ -15139,8 +15893,8 @@
         </p:blipFill>
         <p:spPr>
           <a:xfrm>
-            <a:off x="1143884" y="1598998"/>
-            <a:ext cx="5102521" cy="3669665"/>
+            <a:off x="1143884" y="352561"/>
+            <a:ext cx="5102521" cy="6162539"/>
           </a:xfrm>
           <a:noFill/>
         </p:spPr>
@@ -15176,15 +15930,6 @@
                 <a:spcPts val="600"/>
               </a:spcAft>
             </a:pPr>
-            <a:fld id="{F7CCFFEB-476C-4C7B-A18E-7186B0DB1D22}" type="datetime1">
-              <a:rPr lang="en-US" smtClean="0"/>
-              <a:pPr>
-                <a:spcAft>
-                  <a:spcPts val="600"/>
-                </a:spcAft>
-              </a:pPr>
-              <a:t>7/31/2023</a:t>
-            </a:fld>
             <a:endParaRPr lang="en-US" dirty="0"/>
           </a:p>
         </p:txBody>
@@ -15220,10 +15965,7 @@
                 <a:spcPts val="600"/>
               </a:spcAft>
             </a:pPr>
-            <a:r>
-              <a:rPr lang="en-US"/>
-              <a:t>Sample Footer Text</a:t>
-            </a:r>
+            <a:endParaRPr lang="en-US" dirty="0"/>
           </a:p>
         </p:txBody>
       </p:sp>
@@ -15266,6 +16008,499 @@
                 </a:spcAft>
               </a:pPr>
               <a:t>45</a:t>
+            </a:fld>
+            <a:endParaRPr lang="en-US"/>
+          </a:p>
+        </p:txBody>
+      </p:sp>
+    </p:spTree>
+    <p:extLst>
+      <p:ext uri="{BB962C8B-B14F-4D97-AF65-F5344CB8AC3E}">
+        <p14:creationId xmlns:p14="http://schemas.microsoft.com/office/powerpoint/2010/main" val="925202144"/>
+      </p:ext>
+    </p:extLst>
+  </p:cSld>
+  <p:clrMapOvr>
+    <a:masterClrMapping/>
+  </p:clrMapOvr>
+</p:sld>
+</file>
+
+<file path=ppt/slides/slide46.xml><?xml version="1.0" encoding="utf-8"?>
+<p:sld xmlns:a="http://schemas.openxmlformats.org/drawingml/2006/main" xmlns:r="http://schemas.openxmlformats.org/officeDocument/2006/relationships" xmlns:p="http://schemas.openxmlformats.org/presentationml/2006/main">
+  <p:cSld>
+    <p:spTree>
+      <p:nvGrpSpPr>
+        <p:cNvPr id="1" name=""/>
+        <p:cNvGrpSpPr/>
+        <p:nvPr/>
+      </p:nvGrpSpPr>
+      <p:grpSpPr>
+        <a:xfrm>
+          <a:off x="0" y="0"/>
+          <a:ext cx="0" cy="0"/>
+          <a:chOff x="0" y="0"/>
+          <a:chExt cx="0" cy="0"/>
+        </a:xfrm>
+      </p:grpSpPr>
+      <p:sp>
+        <p:nvSpPr>
+          <p:cNvPr id="2" name="Titolo 1">
+            <a:extLst>
+              <a:ext uri="{FF2B5EF4-FFF2-40B4-BE49-F238E27FC236}">
+                <a16:creationId xmlns:a16="http://schemas.microsoft.com/office/drawing/2014/main" id="{82B2555F-764F-49F9-B5C6-F240376F4C6B}"/>
+              </a:ext>
+            </a:extLst>
+          </p:cNvPr>
+          <p:cNvSpPr>
+            <a:spLocks noGrp="1"/>
+          </p:cNvSpPr>
+          <p:nvPr>
+            <p:ph type="ctrTitle"/>
+          </p:nvPr>
+        </p:nvSpPr>
+        <p:spPr>
+          <a:xfrm>
+            <a:off x="6923576" y="1562100"/>
+            <a:ext cx="4791075" cy="2447739"/>
+          </a:xfrm>
+        </p:spPr>
+        <p:txBody>
+          <a:bodyPr>
+            <a:normAutofit/>
+          </a:bodyPr>
+          <a:lstStyle/>
+          <a:p>
+            <a:r>
+              <a:rPr lang="it-IT" dirty="0"/>
+              <a:t>Go to </a:t>
+            </a:r>
+            <a:r>
+              <a:rPr lang="it-IT" dirty="0" err="1"/>
+              <a:t>order</a:t>
+            </a:r>
+            <a:endParaRPr lang="it-IT" dirty="0"/>
+          </a:p>
+        </p:txBody>
+      </p:sp>
+      <p:sp>
+        <p:nvSpPr>
+          <p:cNvPr id="10" name="Subtitle 2">
+            <a:extLst>
+              <a:ext uri="{FF2B5EF4-FFF2-40B4-BE49-F238E27FC236}">
+                <a16:creationId xmlns:a16="http://schemas.microsoft.com/office/drawing/2014/main" id="{74721122-89F8-4D30-96AD-AD3C42036C47}"/>
+              </a:ext>
+            </a:extLst>
+          </p:cNvPr>
+          <p:cNvSpPr>
+            <a:spLocks noGrp="1"/>
+          </p:cNvSpPr>
+          <p:nvPr>
+            <p:ph type="subTitle" idx="1"/>
+          </p:nvPr>
+        </p:nvSpPr>
+        <p:spPr>
+          <a:xfrm>
+            <a:off x="7296150" y="4423790"/>
+            <a:ext cx="3981449" cy="996119"/>
+          </a:xfrm>
+        </p:spPr>
+        <p:txBody>
+          <a:bodyPr/>
+          <a:lstStyle/>
+          <a:p>
+            <a:endParaRPr lang="en-US" dirty="0"/>
+          </a:p>
+        </p:txBody>
+      </p:sp>
+      <p:pic>
+        <p:nvPicPr>
+          <p:cNvPr id="5" name="Segnaposto contenuto 4">
+            <a:extLst>
+              <a:ext uri="{FF2B5EF4-FFF2-40B4-BE49-F238E27FC236}">
+                <a16:creationId xmlns:a16="http://schemas.microsoft.com/office/drawing/2014/main" id="{B92BDB31-D6AD-4077-B6CF-BEF79462E796}"/>
+              </a:ext>
+            </a:extLst>
+          </p:cNvPr>
+          <p:cNvPicPr>
+            <a:picLocks noGrp="1" noChangeAspect="1"/>
+          </p:cNvPicPr>
+          <p:nvPr>
+            <p:ph idx="4294967295"/>
+          </p:nvPr>
+        </p:nvPicPr>
+        <p:blipFill>
+          <a:blip r:embed="rId2">
+            <a:extLst>
+              <a:ext uri="{28A0092B-C50C-407E-A947-70E740481C1C}">
+                <a14:useLocalDpi xmlns:a14="http://schemas.microsoft.com/office/drawing/2010/main" val="0"/>
+              </a:ext>
+            </a:extLst>
+          </a:blip>
+          <a:srcRect/>
+          <a:stretch/>
+        </p:blipFill>
+        <p:spPr>
+          <a:xfrm>
+            <a:off x="1143884" y="617504"/>
+            <a:ext cx="5102521" cy="5632653"/>
+          </a:xfrm>
+          <a:noFill/>
+        </p:spPr>
+      </p:pic>
+      <p:sp>
+        <p:nvSpPr>
+          <p:cNvPr id="12" name="Date Placeholder 3">
+            <a:extLst>
+              <a:ext uri="{FF2B5EF4-FFF2-40B4-BE49-F238E27FC236}">
+                <a16:creationId xmlns:a16="http://schemas.microsoft.com/office/drawing/2014/main" id="{86FBCF00-5BD9-4404-ADD1-79126E752DC6}"/>
+              </a:ext>
+            </a:extLst>
+          </p:cNvPr>
+          <p:cNvSpPr>
+            <a:spLocks noGrp="1"/>
+          </p:cNvSpPr>
+          <p:nvPr>
+            <p:ph type="dt" sz="half" idx="10"/>
+          </p:nvPr>
+        </p:nvSpPr>
+        <p:spPr>
+          <a:xfrm>
+            <a:off x="652371" y="6332538"/>
+            <a:ext cx="3006492" cy="365125"/>
+          </a:xfrm>
+        </p:spPr>
+        <p:txBody>
+          <a:bodyPr/>
+          <a:lstStyle/>
+          <a:p>
+            <a:pPr>
+              <a:spcAft>
+                <a:spcPts val="600"/>
+              </a:spcAft>
+            </a:pPr>
+            <a:endParaRPr lang="en-US" dirty="0"/>
+          </a:p>
+        </p:txBody>
+      </p:sp>
+      <p:sp>
+        <p:nvSpPr>
+          <p:cNvPr id="14" name="Footer Placeholder 4">
+            <a:extLst>
+              <a:ext uri="{FF2B5EF4-FFF2-40B4-BE49-F238E27FC236}">
+                <a16:creationId xmlns:a16="http://schemas.microsoft.com/office/drawing/2014/main" id="{97F641BA-3926-409B-86FB-4880BC454A47}"/>
+              </a:ext>
+            </a:extLst>
+          </p:cNvPr>
+          <p:cNvSpPr>
+            <a:spLocks noGrp="1"/>
+          </p:cNvSpPr>
+          <p:nvPr>
+            <p:ph type="ftr" sz="quarter" idx="11"/>
+          </p:nvPr>
+        </p:nvSpPr>
+        <p:spPr>
+          <a:xfrm>
+            <a:off x="8034169" y="6332538"/>
+            <a:ext cx="3505459" cy="365125"/>
+          </a:xfrm>
+        </p:spPr>
+        <p:txBody>
+          <a:bodyPr/>
+          <a:lstStyle/>
+          <a:p>
+            <a:pPr>
+              <a:spcAft>
+                <a:spcPts val="600"/>
+              </a:spcAft>
+            </a:pPr>
+            <a:endParaRPr lang="en-US" dirty="0"/>
+          </a:p>
+        </p:txBody>
+      </p:sp>
+      <p:sp>
+        <p:nvSpPr>
+          <p:cNvPr id="16" name="Slide Number Placeholder 5">
+            <a:extLst>
+              <a:ext uri="{FF2B5EF4-FFF2-40B4-BE49-F238E27FC236}">
+                <a16:creationId xmlns:a16="http://schemas.microsoft.com/office/drawing/2014/main" id="{56521AEE-F472-4ED9-82B3-4E0791BB0CA3}"/>
+              </a:ext>
+            </a:extLst>
+          </p:cNvPr>
+          <p:cNvSpPr>
+            <a:spLocks noGrp="1"/>
+          </p:cNvSpPr>
+          <p:nvPr>
+            <p:ph type="sldNum" sz="quarter" idx="12"/>
+          </p:nvPr>
+        </p:nvSpPr>
+        <p:spPr>
+          <a:xfrm>
+            <a:off x="11444747" y="6332538"/>
+            <a:ext cx="539808" cy="365125"/>
+          </a:xfrm>
+        </p:spPr>
+        <p:txBody>
+          <a:bodyPr/>
+          <a:lstStyle/>
+          <a:p>
+            <a:pPr>
+              <a:spcAft>
+                <a:spcPts val="600"/>
+              </a:spcAft>
+            </a:pPr>
+            <a:fld id="{45C5C030-0550-4584-9C82-E35DF7DBC581}" type="slidenum">
+              <a:rPr lang="en-US" smtClean="0"/>
+              <a:pPr>
+                <a:spcAft>
+                  <a:spcPts val="600"/>
+                </a:spcAft>
+              </a:pPr>
+              <a:t>46</a:t>
+            </a:fld>
+            <a:endParaRPr lang="en-US"/>
+          </a:p>
+        </p:txBody>
+      </p:sp>
+    </p:spTree>
+    <p:extLst>
+      <p:ext uri="{BB962C8B-B14F-4D97-AF65-F5344CB8AC3E}">
+        <p14:creationId xmlns:p14="http://schemas.microsoft.com/office/powerpoint/2010/main" val="709390705"/>
+      </p:ext>
+    </p:extLst>
+  </p:cSld>
+  <p:clrMapOvr>
+    <a:masterClrMapping/>
+  </p:clrMapOvr>
+</p:sld>
+</file>
+
+<file path=ppt/slides/slide47.xml><?xml version="1.0" encoding="utf-8"?>
+<p:sld xmlns:a="http://schemas.openxmlformats.org/drawingml/2006/main" xmlns:r="http://schemas.openxmlformats.org/officeDocument/2006/relationships" xmlns:p="http://schemas.openxmlformats.org/presentationml/2006/main">
+  <p:cSld>
+    <p:spTree>
+      <p:nvGrpSpPr>
+        <p:cNvPr id="1" name=""/>
+        <p:cNvGrpSpPr/>
+        <p:nvPr/>
+      </p:nvGrpSpPr>
+      <p:grpSpPr>
+        <a:xfrm>
+          <a:off x="0" y="0"/>
+          <a:ext cx="0" cy="0"/>
+          <a:chOff x="0" y="0"/>
+          <a:chExt cx="0" cy="0"/>
+        </a:xfrm>
+      </p:grpSpPr>
+      <p:sp>
+        <p:nvSpPr>
+          <p:cNvPr id="2" name="Titolo 1">
+            <a:extLst>
+              <a:ext uri="{FF2B5EF4-FFF2-40B4-BE49-F238E27FC236}">
+                <a16:creationId xmlns:a16="http://schemas.microsoft.com/office/drawing/2014/main" id="{82B2555F-764F-49F9-B5C6-F240376F4C6B}"/>
+              </a:ext>
+            </a:extLst>
+          </p:cNvPr>
+          <p:cNvSpPr>
+            <a:spLocks noGrp="1"/>
+          </p:cNvSpPr>
+          <p:nvPr>
+            <p:ph type="ctrTitle"/>
+          </p:nvPr>
+        </p:nvSpPr>
+        <p:spPr>
+          <a:xfrm>
+            <a:off x="6923576" y="1562100"/>
+            <a:ext cx="4791075" cy="2447739"/>
+          </a:xfrm>
+        </p:spPr>
+        <p:txBody>
+          <a:bodyPr>
+            <a:normAutofit/>
+          </a:bodyPr>
+          <a:lstStyle/>
+          <a:p>
+            <a:r>
+              <a:rPr lang="it-IT" dirty="0"/>
+              <a:t>LOGOUT</a:t>
+            </a:r>
+          </a:p>
+        </p:txBody>
+      </p:sp>
+      <p:sp>
+        <p:nvSpPr>
+          <p:cNvPr id="10" name="Subtitle 2">
+            <a:extLst>
+              <a:ext uri="{FF2B5EF4-FFF2-40B4-BE49-F238E27FC236}">
+                <a16:creationId xmlns:a16="http://schemas.microsoft.com/office/drawing/2014/main" id="{74721122-89F8-4D30-96AD-AD3C42036C47}"/>
+              </a:ext>
+            </a:extLst>
+          </p:cNvPr>
+          <p:cNvSpPr>
+            <a:spLocks noGrp="1"/>
+          </p:cNvSpPr>
+          <p:nvPr>
+            <p:ph type="subTitle" idx="1"/>
+          </p:nvPr>
+        </p:nvSpPr>
+        <p:spPr>
+          <a:xfrm>
+            <a:off x="7296150" y="4423790"/>
+            <a:ext cx="3981449" cy="996119"/>
+          </a:xfrm>
+        </p:spPr>
+        <p:txBody>
+          <a:bodyPr/>
+          <a:lstStyle/>
+          <a:p>
+            <a:endParaRPr lang="en-US" dirty="0"/>
+          </a:p>
+        </p:txBody>
+      </p:sp>
+      <p:pic>
+        <p:nvPicPr>
+          <p:cNvPr id="5" name="Segnaposto contenuto 4">
+            <a:extLst>
+              <a:ext uri="{FF2B5EF4-FFF2-40B4-BE49-F238E27FC236}">
+                <a16:creationId xmlns:a16="http://schemas.microsoft.com/office/drawing/2014/main" id="{B92BDB31-D6AD-4077-B6CF-BEF79462E796}"/>
+              </a:ext>
+            </a:extLst>
+          </p:cNvPr>
+          <p:cNvPicPr>
+            <a:picLocks noGrp="1" noChangeAspect="1"/>
+          </p:cNvPicPr>
+          <p:nvPr>
+            <p:ph idx="4294967295"/>
+          </p:nvPr>
+        </p:nvPicPr>
+        <p:blipFill>
+          <a:blip r:embed="rId2">
+            <a:extLst>
+              <a:ext uri="{28A0092B-C50C-407E-A947-70E740481C1C}">
+                <a14:useLocalDpi xmlns:a14="http://schemas.microsoft.com/office/drawing/2010/main" val="0"/>
+              </a:ext>
+            </a:extLst>
+          </a:blip>
+          <a:srcRect/>
+          <a:stretch/>
+        </p:blipFill>
+        <p:spPr>
+          <a:xfrm>
+            <a:off x="1143884" y="1598998"/>
+            <a:ext cx="5102521" cy="3669665"/>
+          </a:xfrm>
+          <a:noFill/>
+        </p:spPr>
+      </p:pic>
+      <p:sp>
+        <p:nvSpPr>
+          <p:cNvPr id="12" name="Date Placeholder 3">
+            <a:extLst>
+              <a:ext uri="{FF2B5EF4-FFF2-40B4-BE49-F238E27FC236}">
+                <a16:creationId xmlns:a16="http://schemas.microsoft.com/office/drawing/2014/main" id="{86FBCF00-5BD9-4404-ADD1-79126E752DC6}"/>
+              </a:ext>
+            </a:extLst>
+          </p:cNvPr>
+          <p:cNvSpPr>
+            <a:spLocks noGrp="1"/>
+          </p:cNvSpPr>
+          <p:nvPr>
+            <p:ph type="dt" sz="half" idx="10"/>
+          </p:nvPr>
+        </p:nvSpPr>
+        <p:spPr>
+          <a:xfrm>
+            <a:off x="652371" y="6332538"/>
+            <a:ext cx="3006492" cy="365125"/>
+          </a:xfrm>
+        </p:spPr>
+        <p:txBody>
+          <a:bodyPr/>
+          <a:lstStyle/>
+          <a:p>
+            <a:pPr>
+              <a:spcAft>
+                <a:spcPts val="600"/>
+              </a:spcAft>
+            </a:pPr>
+            <a:endParaRPr lang="en-US" dirty="0"/>
+          </a:p>
+        </p:txBody>
+      </p:sp>
+      <p:sp>
+        <p:nvSpPr>
+          <p:cNvPr id="14" name="Footer Placeholder 4">
+            <a:extLst>
+              <a:ext uri="{FF2B5EF4-FFF2-40B4-BE49-F238E27FC236}">
+                <a16:creationId xmlns:a16="http://schemas.microsoft.com/office/drawing/2014/main" id="{97F641BA-3926-409B-86FB-4880BC454A47}"/>
+              </a:ext>
+            </a:extLst>
+          </p:cNvPr>
+          <p:cNvSpPr>
+            <a:spLocks noGrp="1"/>
+          </p:cNvSpPr>
+          <p:nvPr>
+            <p:ph type="ftr" sz="quarter" idx="11"/>
+          </p:nvPr>
+        </p:nvSpPr>
+        <p:spPr>
+          <a:xfrm>
+            <a:off x="8034169" y="6332538"/>
+            <a:ext cx="3505459" cy="365125"/>
+          </a:xfrm>
+        </p:spPr>
+        <p:txBody>
+          <a:bodyPr/>
+          <a:lstStyle/>
+          <a:p>
+            <a:pPr>
+              <a:spcAft>
+                <a:spcPts val="600"/>
+              </a:spcAft>
+            </a:pPr>
+            <a:endParaRPr lang="en-US" dirty="0"/>
+          </a:p>
+        </p:txBody>
+      </p:sp>
+      <p:sp>
+        <p:nvSpPr>
+          <p:cNvPr id="16" name="Slide Number Placeholder 5">
+            <a:extLst>
+              <a:ext uri="{FF2B5EF4-FFF2-40B4-BE49-F238E27FC236}">
+                <a16:creationId xmlns:a16="http://schemas.microsoft.com/office/drawing/2014/main" id="{56521AEE-F472-4ED9-82B3-4E0791BB0CA3}"/>
+              </a:ext>
+            </a:extLst>
+          </p:cNvPr>
+          <p:cNvSpPr>
+            <a:spLocks noGrp="1"/>
+          </p:cNvSpPr>
+          <p:nvPr>
+            <p:ph type="sldNum" sz="quarter" idx="12"/>
+          </p:nvPr>
+        </p:nvSpPr>
+        <p:spPr>
+          <a:xfrm>
+            <a:off x="11444747" y="6332538"/>
+            <a:ext cx="539808" cy="365125"/>
+          </a:xfrm>
+        </p:spPr>
+        <p:txBody>
+          <a:bodyPr/>
+          <a:lstStyle/>
+          <a:p>
+            <a:pPr>
+              <a:spcAft>
+                <a:spcPts val="600"/>
+              </a:spcAft>
+            </a:pPr>
+            <a:fld id="{45C5C030-0550-4584-9C82-E35DF7DBC581}" type="slidenum">
+              <a:rPr lang="en-US" smtClean="0"/>
+              <a:pPr>
+                <a:spcAft>
+                  <a:spcPts val="600"/>
+                </a:spcAft>
+              </a:pPr>
+              <a:t>47</a:t>
             </a:fld>
             <a:endParaRPr lang="en-US"/>
           </a:p>
